--- a/hw02.pptx
+++ b/hw02.pptx
@@ -4,8 +4,18 @@
   <p:sldMasterIdLst>
     <p:sldMasterId id="2147483648" r:id="rId1"/>
   </p:sldMasterIdLst>
+  <p:notesMasterIdLst>
+    <p:notesMasterId r:id="rId10"/>
+  </p:notesMasterIdLst>
   <p:sldIdLst>
-    <p:sldId id="256" r:id="rId2"/>
+    <p:sldId id="257" r:id="rId2"/>
+    <p:sldId id="258" r:id="rId3"/>
+    <p:sldId id="261" r:id="rId4"/>
+    <p:sldId id="262" r:id="rId5"/>
+    <p:sldId id="263" r:id="rId6"/>
+    <p:sldId id="264" r:id="rId7"/>
+    <p:sldId id="265" r:id="rId8"/>
+    <p:sldId id="266" r:id="rId9"/>
   </p:sldIdLst>
   <p:sldSz cx="12192000" cy="6858000"/>
   <p:notesSz cx="6858000" cy="9144000"/>
@@ -104,7 +114,1369 @@
       </a:defRPr>
     </a:lvl9pPr>
   </p:defaultTextStyle>
+  <p:extLst>
+    <p:ext uri="{EFAFB233-063F-42B5-8137-9DF3F51BA10A}">
+      <p15:sldGuideLst xmlns:p15="http://schemas.microsoft.com/office/powerpoint/2012/main"/>
+    </p:ext>
+  </p:extLst>
 </p:presentation>
+</file>
+
+<file path=ppt/notesMasters/notesMaster1.xml><?xml version="1.0" encoding="utf-8"?>
+<p:notesMaster xmlns:a="http://schemas.openxmlformats.org/drawingml/2006/main" xmlns:r="http://schemas.openxmlformats.org/officeDocument/2006/relationships" xmlns:p="http://schemas.openxmlformats.org/presentationml/2006/main">
+  <p:cSld>
+    <p:bg>
+      <p:bgRef idx="1001">
+        <a:schemeClr val="bg1"/>
+      </p:bgRef>
+    </p:bg>
+    <p:spTree>
+      <p:nvGrpSpPr>
+        <p:cNvPr id="1" name=""/>
+        <p:cNvGrpSpPr/>
+        <p:nvPr/>
+      </p:nvGrpSpPr>
+      <p:grpSpPr>
+        <a:xfrm>
+          <a:off x="0" y="0"/>
+          <a:ext cx="0" cy="0"/>
+          <a:chOff x="0" y="0"/>
+          <a:chExt cx="0" cy="0"/>
+        </a:xfrm>
+      </p:grpSpPr>
+      <p:sp>
+        <p:nvSpPr>
+          <p:cNvPr id="2" name="頁首版面配置區 1"/>
+          <p:cNvSpPr>
+            <a:spLocks noGrp="1"/>
+          </p:cNvSpPr>
+          <p:nvPr>
+            <p:ph type="hdr" sz="quarter"/>
+          </p:nvPr>
+        </p:nvSpPr>
+        <p:spPr>
+          <a:xfrm>
+            <a:off x="0" y="0"/>
+            <a:ext cx="2971800" cy="458788"/>
+          </a:xfrm>
+          <a:prstGeom prst="rect">
+            <a:avLst/>
+          </a:prstGeom>
+        </p:spPr>
+        <p:txBody>
+          <a:bodyPr vert="horz" lIns="91440" tIns="45720" rIns="91440" bIns="45720" rtlCol="0"/>
+          <a:lstStyle>
+            <a:lvl1pPr algn="l">
+              <a:defRPr sz="1200"/>
+            </a:lvl1pPr>
+          </a:lstStyle>
+          <a:p>
+            <a:endParaRPr lang="zh-TW" altLang="en-US"/>
+          </a:p>
+        </p:txBody>
+      </p:sp>
+      <p:sp>
+        <p:nvSpPr>
+          <p:cNvPr id="3" name="日期版面配置區 2"/>
+          <p:cNvSpPr>
+            <a:spLocks noGrp="1"/>
+          </p:cNvSpPr>
+          <p:nvPr>
+            <p:ph type="dt" idx="1"/>
+          </p:nvPr>
+        </p:nvSpPr>
+        <p:spPr>
+          <a:xfrm>
+            <a:off x="3884613" y="0"/>
+            <a:ext cx="2971800" cy="458788"/>
+          </a:xfrm>
+          <a:prstGeom prst="rect">
+            <a:avLst/>
+          </a:prstGeom>
+        </p:spPr>
+        <p:txBody>
+          <a:bodyPr vert="horz" lIns="91440" tIns="45720" rIns="91440" bIns="45720" rtlCol="0"/>
+          <a:lstStyle>
+            <a:lvl1pPr algn="r">
+              <a:defRPr sz="1200"/>
+            </a:lvl1pPr>
+          </a:lstStyle>
+          <a:p>
+            <a:fld id="{69D62639-03B6-4681-97A0-BD76DD2344A1}" type="datetimeFigureOut">
+              <a:rPr lang="zh-TW" altLang="en-US" smtClean="0"/>
+              <a:t>2024/10/16</a:t>
+            </a:fld>
+            <a:endParaRPr lang="zh-TW" altLang="en-US"/>
+          </a:p>
+        </p:txBody>
+      </p:sp>
+      <p:sp>
+        <p:nvSpPr>
+          <p:cNvPr id="4" name="投影片影像版面配置區 3"/>
+          <p:cNvSpPr>
+            <a:spLocks noGrp="1" noRot="1" noChangeAspect="1"/>
+          </p:cNvSpPr>
+          <p:nvPr>
+            <p:ph type="sldImg" idx="2"/>
+          </p:nvPr>
+        </p:nvSpPr>
+        <p:spPr>
+          <a:xfrm>
+            <a:off x="685800" y="1143000"/>
+            <a:ext cx="5486400" cy="3086100"/>
+          </a:xfrm>
+          <a:prstGeom prst="rect">
+            <a:avLst/>
+          </a:prstGeom>
+          <a:noFill/>
+          <a:ln w="12700">
+            <a:solidFill>
+              <a:prstClr val="black"/>
+            </a:solidFill>
+          </a:ln>
+        </p:spPr>
+        <p:txBody>
+          <a:bodyPr vert="horz" lIns="91440" tIns="45720" rIns="91440" bIns="45720" rtlCol="0" anchor="ctr"/>
+          <a:lstStyle/>
+          <a:p>
+            <a:endParaRPr lang="zh-TW" altLang="en-US"/>
+          </a:p>
+        </p:txBody>
+      </p:sp>
+      <p:sp>
+        <p:nvSpPr>
+          <p:cNvPr id="5" name="備忘稿版面配置區 4"/>
+          <p:cNvSpPr>
+            <a:spLocks noGrp="1"/>
+          </p:cNvSpPr>
+          <p:nvPr>
+            <p:ph type="body" sz="quarter" idx="3"/>
+          </p:nvPr>
+        </p:nvSpPr>
+        <p:spPr>
+          <a:xfrm>
+            <a:off x="685800" y="4400550"/>
+            <a:ext cx="5486400" cy="3600450"/>
+          </a:xfrm>
+          <a:prstGeom prst="rect">
+            <a:avLst/>
+          </a:prstGeom>
+        </p:spPr>
+        <p:txBody>
+          <a:bodyPr vert="horz" lIns="91440" tIns="45720" rIns="91440" bIns="45720" rtlCol="0"/>
+          <a:lstStyle/>
+          <a:p>
+            <a:pPr lvl="0"/>
+            <a:r>
+              <a:rPr lang="zh-TW" altLang="en-US"/>
+              <a:t>按一下以編輯母片文字樣式</a:t>
+            </a:r>
+          </a:p>
+          <a:p>
+            <a:pPr lvl="1"/>
+            <a:r>
+              <a:rPr lang="zh-TW" altLang="en-US"/>
+              <a:t>第二層</a:t>
+            </a:r>
+          </a:p>
+          <a:p>
+            <a:pPr lvl="2"/>
+            <a:r>
+              <a:rPr lang="zh-TW" altLang="en-US"/>
+              <a:t>第三層</a:t>
+            </a:r>
+          </a:p>
+          <a:p>
+            <a:pPr lvl="3"/>
+            <a:r>
+              <a:rPr lang="zh-TW" altLang="en-US"/>
+              <a:t>第四層</a:t>
+            </a:r>
+          </a:p>
+          <a:p>
+            <a:pPr lvl="4"/>
+            <a:r>
+              <a:rPr lang="zh-TW" altLang="en-US"/>
+              <a:t>第五層</a:t>
+            </a:r>
+          </a:p>
+        </p:txBody>
+      </p:sp>
+      <p:sp>
+        <p:nvSpPr>
+          <p:cNvPr id="6" name="頁尾版面配置區 5"/>
+          <p:cNvSpPr>
+            <a:spLocks noGrp="1"/>
+          </p:cNvSpPr>
+          <p:nvPr>
+            <p:ph type="ftr" sz="quarter" idx="4"/>
+          </p:nvPr>
+        </p:nvSpPr>
+        <p:spPr>
+          <a:xfrm>
+            <a:off x="0" y="8685213"/>
+            <a:ext cx="2971800" cy="458787"/>
+          </a:xfrm>
+          <a:prstGeom prst="rect">
+            <a:avLst/>
+          </a:prstGeom>
+        </p:spPr>
+        <p:txBody>
+          <a:bodyPr vert="horz" lIns="91440" tIns="45720" rIns="91440" bIns="45720" rtlCol="0" anchor="b"/>
+          <a:lstStyle>
+            <a:lvl1pPr algn="l">
+              <a:defRPr sz="1200"/>
+            </a:lvl1pPr>
+          </a:lstStyle>
+          <a:p>
+            <a:endParaRPr lang="zh-TW" altLang="en-US"/>
+          </a:p>
+        </p:txBody>
+      </p:sp>
+      <p:sp>
+        <p:nvSpPr>
+          <p:cNvPr id="7" name="投影片編號版面配置區 6"/>
+          <p:cNvSpPr>
+            <a:spLocks noGrp="1"/>
+          </p:cNvSpPr>
+          <p:nvPr>
+            <p:ph type="sldNum" sz="quarter" idx="5"/>
+          </p:nvPr>
+        </p:nvSpPr>
+        <p:spPr>
+          <a:xfrm>
+            <a:off x="3884613" y="8685213"/>
+            <a:ext cx="2971800" cy="458787"/>
+          </a:xfrm>
+          <a:prstGeom prst="rect">
+            <a:avLst/>
+          </a:prstGeom>
+        </p:spPr>
+        <p:txBody>
+          <a:bodyPr vert="horz" lIns="91440" tIns="45720" rIns="91440" bIns="45720" rtlCol="0" anchor="b"/>
+          <a:lstStyle>
+            <a:lvl1pPr algn="r">
+              <a:defRPr sz="1200"/>
+            </a:lvl1pPr>
+          </a:lstStyle>
+          <a:p>
+            <a:fld id="{6188533D-DFD4-4933-8586-6B19E1A2DCDD}" type="slidenum">
+              <a:rPr lang="zh-TW" altLang="en-US" smtClean="0"/>
+              <a:t>‹#›</a:t>
+            </a:fld>
+            <a:endParaRPr lang="zh-TW" altLang="en-US"/>
+          </a:p>
+        </p:txBody>
+      </p:sp>
+    </p:spTree>
+    <p:extLst>
+      <p:ext uri="{BB962C8B-B14F-4D97-AF65-F5344CB8AC3E}">
+        <p14:creationId xmlns:p14="http://schemas.microsoft.com/office/powerpoint/2010/main" val="3466075266"/>
+      </p:ext>
+    </p:extLst>
+  </p:cSld>
+  <p:clrMap bg1="lt1" tx1="dk1" bg2="lt2" tx2="dk2" accent1="accent1" accent2="accent2" accent3="accent3" accent4="accent4" accent5="accent5" accent6="accent6" hlink="hlink" folHlink="folHlink"/>
+  <p:notesStyle>
+    <a:lvl1pPr marL="0" algn="l" defTabSz="914400" rtl="0" eaLnBrk="1" latinLnBrk="0" hangingPunct="1">
+      <a:defRPr sz="1200" kern="1200">
+        <a:solidFill>
+          <a:schemeClr val="tx1"/>
+        </a:solidFill>
+        <a:latin typeface="+mn-lt"/>
+        <a:ea typeface="+mn-ea"/>
+        <a:cs typeface="+mn-cs"/>
+      </a:defRPr>
+    </a:lvl1pPr>
+    <a:lvl2pPr marL="457200" algn="l" defTabSz="914400" rtl="0" eaLnBrk="1" latinLnBrk="0" hangingPunct="1">
+      <a:defRPr sz="1200" kern="1200">
+        <a:solidFill>
+          <a:schemeClr val="tx1"/>
+        </a:solidFill>
+        <a:latin typeface="+mn-lt"/>
+        <a:ea typeface="+mn-ea"/>
+        <a:cs typeface="+mn-cs"/>
+      </a:defRPr>
+    </a:lvl2pPr>
+    <a:lvl3pPr marL="914400" algn="l" defTabSz="914400" rtl="0" eaLnBrk="1" latinLnBrk="0" hangingPunct="1">
+      <a:defRPr sz="1200" kern="1200">
+        <a:solidFill>
+          <a:schemeClr val="tx1"/>
+        </a:solidFill>
+        <a:latin typeface="+mn-lt"/>
+        <a:ea typeface="+mn-ea"/>
+        <a:cs typeface="+mn-cs"/>
+      </a:defRPr>
+    </a:lvl3pPr>
+    <a:lvl4pPr marL="1371600" algn="l" defTabSz="914400" rtl="0" eaLnBrk="1" latinLnBrk="0" hangingPunct="1">
+      <a:defRPr sz="1200" kern="1200">
+        <a:solidFill>
+          <a:schemeClr val="tx1"/>
+        </a:solidFill>
+        <a:latin typeface="+mn-lt"/>
+        <a:ea typeface="+mn-ea"/>
+        <a:cs typeface="+mn-cs"/>
+      </a:defRPr>
+    </a:lvl4pPr>
+    <a:lvl5pPr marL="1828800" algn="l" defTabSz="914400" rtl="0" eaLnBrk="1" latinLnBrk="0" hangingPunct="1">
+      <a:defRPr sz="1200" kern="1200">
+        <a:solidFill>
+          <a:schemeClr val="tx1"/>
+        </a:solidFill>
+        <a:latin typeface="+mn-lt"/>
+        <a:ea typeface="+mn-ea"/>
+        <a:cs typeface="+mn-cs"/>
+      </a:defRPr>
+    </a:lvl5pPr>
+    <a:lvl6pPr marL="2286000" algn="l" defTabSz="914400" rtl="0" eaLnBrk="1" latinLnBrk="0" hangingPunct="1">
+      <a:defRPr sz="1200" kern="1200">
+        <a:solidFill>
+          <a:schemeClr val="tx1"/>
+        </a:solidFill>
+        <a:latin typeface="+mn-lt"/>
+        <a:ea typeface="+mn-ea"/>
+        <a:cs typeface="+mn-cs"/>
+      </a:defRPr>
+    </a:lvl6pPr>
+    <a:lvl7pPr marL="2743200" algn="l" defTabSz="914400" rtl="0" eaLnBrk="1" latinLnBrk="0" hangingPunct="1">
+      <a:defRPr sz="1200" kern="1200">
+        <a:solidFill>
+          <a:schemeClr val="tx1"/>
+        </a:solidFill>
+        <a:latin typeface="+mn-lt"/>
+        <a:ea typeface="+mn-ea"/>
+        <a:cs typeface="+mn-cs"/>
+      </a:defRPr>
+    </a:lvl7pPr>
+    <a:lvl8pPr marL="3200400" algn="l" defTabSz="914400" rtl="0" eaLnBrk="1" latinLnBrk="0" hangingPunct="1">
+      <a:defRPr sz="1200" kern="1200">
+        <a:solidFill>
+          <a:schemeClr val="tx1"/>
+        </a:solidFill>
+        <a:latin typeface="+mn-lt"/>
+        <a:ea typeface="+mn-ea"/>
+        <a:cs typeface="+mn-cs"/>
+      </a:defRPr>
+    </a:lvl8pPr>
+    <a:lvl9pPr marL="3657600" algn="l" defTabSz="914400" rtl="0" eaLnBrk="1" latinLnBrk="0" hangingPunct="1">
+      <a:defRPr sz="1200" kern="1200">
+        <a:solidFill>
+          <a:schemeClr val="tx1"/>
+        </a:solidFill>
+        <a:latin typeface="+mn-lt"/>
+        <a:ea typeface="+mn-ea"/>
+        <a:cs typeface="+mn-cs"/>
+      </a:defRPr>
+    </a:lvl9pPr>
+  </p:notesStyle>
+</p:notesMaster>
+</file>
+
+<file path=ppt/notesSlides/notesSlide1.xml><?xml version="1.0" encoding="utf-8"?>
+<p:notes xmlns:a="http://schemas.openxmlformats.org/drawingml/2006/main" xmlns:r="http://schemas.openxmlformats.org/officeDocument/2006/relationships" xmlns:p="http://schemas.openxmlformats.org/presentationml/2006/main">
+  <p:cSld>
+    <p:spTree>
+      <p:nvGrpSpPr>
+        <p:cNvPr id="1" name=""/>
+        <p:cNvGrpSpPr/>
+        <p:nvPr/>
+      </p:nvGrpSpPr>
+      <p:grpSpPr>
+        <a:xfrm>
+          <a:off x="0" y="0"/>
+          <a:ext cx="0" cy="0"/>
+          <a:chOff x="0" y="0"/>
+          <a:chExt cx="0" cy="0"/>
+        </a:xfrm>
+      </p:grpSpPr>
+      <p:sp>
+        <p:nvSpPr>
+          <p:cNvPr id="2" name="投影片影像版面配置區 1"/>
+          <p:cNvSpPr>
+            <a:spLocks noGrp="1" noRot="1" noChangeAspect="1"/>
+          </p:cNvSpPr>
+          <p:nvPr>
+            <p:ph type="sldImg"/>
+          </p:nvPr>
+        </p:nvSpPr>
+        <p:spPr/>
+      </p:sp>
+      <p:sp>
+        <p:nvSpPr>
+          <p:cNvPr id="3" name="備忘稿版面配置區 2"/>
+          <p:cNvSpPr>
+            <a:spLocks noGrp="1"/>
+          </p:cNvSpPr>
+          <p:nvPr>
+            <p:ph type="body" idx="1"/>
+          </p:nvPr>
+        </p:nvSpPr>
+        <p:spPr/>
+        <p:txBody>
+          <a:bodyPr/>
+          <a:lstStyle/>
+          <a:p>
+            <a:endParaRPr lang="zh-TW" altLang="en-US" dirty="0"/>
+          </a:p>
+        </p:txBody>
+      </p:sp>
+      <p:sp>
+        <p:nvSpPr>
+          <p:cNvPr id="4" name="投影片編號版面配置區 3"/>
+          <p:cNvSpPr>
+            <a:spLocks noGrp="1"/>
+          </p:cNvSpPr>
+          <p:nvPr>
+            <p:ph type="sldNum" sz="quarter" idx="5"/>
+          </p:nvPr>
+        </p:nvSpPr>
+        <p:spPr/>
+        <p:txBody>
+          <a:bodyPr/>
+          <a:lstStyle/>
+          <a:p>
+            <a:pPr marL="0" marR="0" lvl="0" indent="0" algn="r" defTabSz="914400" rtl="0" eaLnBrk="1" fontAlgn="auto" latinLnBrk="0" hangingPunct="1">
+              <a:lnSpc>
+                <a:spcPct val="100000"/>
+              </a:lnSpc>
+              <a:spcBef>
+                <a:spcPts val="0"/>
+              </a:spcBef>
+              <a:spcAft>
+                <a:spcPts val="0"/>
+              </a:spcAft>
+              <a:buClrTx/>
+              <a:buSzTx/>
+              <a:buFontTx/>
+              <a:buNone/>
+              <a:tabLst/>
+              <a:defRPr/>
+            </a:pPr>
+            <a:fld id="{D0951802-1F6E-44D6-A682-F78D890A50A2}" type="slidenum">
+              <a:rPr kumimoji="0" lang="zh-TW" altLang="en-US" sz="1200" b="0" i="0" u="none" strike="noStrike" kern="1200" cap="none" spc="0" normalizeH="0" baseline="0" noProof="0" smtClean="0">
+                <a:ln>
+                  <a:noFill/>
+                </a:ln>
+                <a:solidFill>
+                  <a:prstClr val="black"/>
+                </a:solidFill>
+                <a:effectLst/>
+                <a:uLnTx/>
+                <a:uFillTx/>
+                <a:latin typeface="Calibri" panose="020F0502020204030204"/>
+                <a:ea typeface="新細明體" panose="02020500000000000000" pitchFamily="18" charset="-120"/>
+                <a:cs typeface="+mn-cs"/>
+              </a:rPr>
+              <a:pPr marL="0" marR="0" lvl="0" indent="0" algn="r" defTabSz="914400" rtl="0" eaLnBrk="1" fontAlgn="auto" latinLnBrk="0" hangingPunct="1">
+                <a:lnSpc>
+                  <a:spcPct val="100000"/>
+                </a:lnSpc>
+                <a:spcBef>
+                  <a:spcPts val="0"/>
+                </a:spcBef>
+                <a:spcAft>
+                  <a:spcPts val="0"/>
+                </a:spcAft>
+                <a:buClrTx/>
+                <a:buSzTx/>
+                <a:buFontTx/>
+                <a:buNone/>
+                <a:tabLst/>
+                <a:defRPr/>
+              </a:pPr>
+              <a:t>2</a:t>
+            </a:fld>
+            <a:endParaRPr kumimoji="0" lang="zh-TW" altLang="en-US" sz="1200" b="0" i="0" u="none" strike="noStrike" kern="1200" cap="none" spc="0" normalizeH="0" baseline="0" noProof="0">
+              <a:ln>
+                <a:noFill/>
+              </a:ln>
+              <a:solidFill>
+                <a:prstClr val="black"/>
+              </a:solidFill>
+              <a:effectLst/>
+              <a:uLnTx/>
+              <a:uFillTx/>
+              <a:latin typeface="Calibri" panose="020F0502020204030204"/>
+              <a:ea typeface="新細明體" panose="02020500000000000000" pitchFamily="18" charset="-120"/>
+              <a:cs typeface="+mn-cs"/>
+            </a:endParaRPr>
+          </a:p>
+        </p:txBody>
+      </p:sp>
+    </p:spTree>
+    <p:extLst>
+      <p:ext uri="{BB962C8B-B14F-4D97-AF65-F5344CB8AC3E}">
+        <p14:creationId xmlns:p14="http://schemas.microsoft.com/office/powerpoint/2010/main" val="721558048"/>
+      </p:ext>
+    </p:extLst>
+  </p:cSld>
+  <p:clrMapOvr>
+    <a:masterClrMapping/>
+  </p:clrMapOvr>
+</p:notes>
+</file>
+
+<file path=ppt/notesSlides/notesSlide2.xml><?xml version="1.0" encoding="utf-8"?>
+<p:notes xmlns:a="http://schemas.openxmlformats.org/drawingml/2006/main" xmlns:r="http://schemas.openxmlformats.org/officeDocument/2006/relationships" xmlns:p="http://schemas.openxmlformats.org/presentationml/2006/main">
+  <p:cSld>
+    <p:spTree>
+      <p:nvGrpSpPr>
+        <p:cNvPr id="1" name=""/>
+        <p:cNvGrpSpPr/>
+        <p:nvPr/>
+      </p:nvGrpSpPr>
+      <p:grpSpPr>
+        <a:xfrm>
+          <a:off x="0" y="0"/>
+          <a:ext cx="0" cy="0"/>
+          <a:chOff x="0" y="0"/>
+          <a:chExt cx="0" cy="0"/>
+        </a:xfrm>
+      </p:grpSpPr>
+      <p:sp>
+        <p:nvSpPr>
+          <p:cNvPr id="2" name="投影片影像版面配置區 1"/>
+          <p:cNvSpPr>
+            <a:spLocks noGrp="1" noRot="1" noChangeAspect="1"/>
+          </p:cNvSpPr>
+          <p:nvPr>
+            <p:ph type="sldImg"/>
+          </p:nvPr>
+        </p:nvSpPr>
+        <p:spPr/>
+      </p:sp>
+      <p:sp>
+        <p:nvSpPr>
+          <p:cNvPr id="3" name="備忘稿版面配置區 2"/>
+          <p:cNvSpPr>
+            <a:spLocks noGrp="1"/>
+          </p:cNvSpPr>
+          <p:nvPr>
+            <p:ph type="body" idx="1"/>
+          </p:nvPr>
+        </p:nvSpPr>
+        <p:spPr/>
+        <p:txBody>
+          <a:bodyPr/>
+          <a:lstStyle/>
+          <a:p>
+            <a:endParaRPr lang="zh-TW" altLang="en-US" dirty="0"/>
+          </a:p>
+        </p:txBody>
+      </p:sp>
+      <p:sp>
+        <p:nvSpPr>
+          <p:cNvPr id="4" name="投影片編號版面配置區 3"/>
+          <p:cNvSpPr>
+            <a:spLocks noGrp="1"/>
+          </p:cNvSpPr>
+          <p:nvPr>
+            <p:ph type="sldNum" sz="quarter" idx="5"/>
+          </p:nvPr>
+        </p:nvSpPr>
+        <p:spPr/>
+        <p:txBody>
+          <a:bodyPr/>
+          <a:lstStyle/>
+          <a:p>
+            <a:pPr marL="0" marR="0" lvl="0" indent="0" algn="r" defTabSz="914400" rtl="0" eaLnBrk="1" fontAlgn="auto" latinLnBrk="0" hangingPunct="1">
+              <a:lnSpc>
+                <a:spcPct val="100000"/>
+              </a:lnSpc>
+              <a:spcBef>
+                <a:spcPts val="0"/>
+              </a:spcBef>
+              <a:spcAft>
+                <a:spcPts val="0"/>
+              </a:spcAft>
+              <a:buClrTx/>
+              <a:buSzTx/>
+              <a:buFontTx/>
+              <a:buNone/>
+              <a:tabLst/>
+              <a:defRPr/>
+            </a:pPr>
+            <a:fld id="{D0951802-1F6E-44D6-A682-F78D890A50A2}" type="slidenum">
+              <a:rPr kumimoji="0" lang="zh-TW" altLang="en-US" sz="1200" b="0" i="0" u="none" strike="noStrike" kern="1200" cap="none" spc="0" normalizeH="0" baseline="0" noProof="0" smtClean="0">
+                <a:ln>
+                  <a:noFill/>
+                </a:ln>
+                <a:solidFill>
+                  <a:prstClr val="black"/>
+                </a:solidFill>
+                <a:effectLst/>
+                <a:uLnTx/>
+                <a:uFillTx/>
+                <a:latin typeface="Calibri" panose="020F0502020204030204"/>
+                <a:ea typeface="新細明體" panose="02020500000000000000" pitchFamily="18" charset="-120"/>
+                <a:cs typeface="+mn-cs"/>
+              </a:rPr>
+              <a:pPr marL="0" marR="0" lvl="0" indent="0" algn="r" defTabSz="914400" rtl="0" eaLnBrk="1" fontAlgn="auto" latinLnBrk="0" hangingPunct="1">
+                <a:lnSpc>
+                  <a:spcPct val="100000"/>
+                </a:lnSpc>
+                <a:spcBef>
+                  <a:spcPts val="0"/>
+                </a:spcBef>
+                <a:spcAft>
+                  <a:spcPts val="0"/>
+                </a:spcAft>
+                <a:buClrTx/>
+                <a:buSzTx/>
+                <a:buFontTx/>
+                <a:buNone/>
+                <a:tabLst/>
+                <a:defRPr/>
+              </a:pPr>
+              <a:t>3</a:t>
+            </a:fld>
+            <a:endParaRPr kumimoji="0" lang="zh-TW" altLang="en-US" sz="1200" b="0" i="0" u="none" strike="noStrike" kern="1200" cap="none" spc="0" normalizeH="0" baseline="0" noProof="0">
+              <a:ln>
+                <a:noFill/>
+              </a:ln>
+              <a:solidFill>
+                <a:prstClr val="black"/>
+              </a:solidFill>
+              <a:effectLst/>
+              <a:uLnTx/>
+              <a:uFillTx/>
+              <a:latin typeface="Calibri" panose="020F0502020204030204"/>
+              <a:ea typeface="新細明體" panose="02020500000000000000" pitchFamily="18" charset="-120"/>
+              <a:cs typeface="+mn-cs"/>
+            </a:endParaRPr>
+          </a:p>
+        </p:txBody>
+      </p:sp>
+    </p:spTree>
+    <p:extLst>
+      <p:ext uri="{BB962C8B-B14F-4D97-AF65-F5344CB8AC3E}">
+        <p14:creationId xmlns:p14="http://schemas.microsoft.com/office/powerpoint/2010/main" val="1492407093"/>
+      </p:ext>
+    </p:extLst>
+  </p:cSld>
+  <p:clrMapOvr>
+    <a:masterClrMapping/>
+  </p:clrMapOvr>
+</p:notes>
+</file>
+
+<file path=ppt/notesSlides/notesSlide3.xml><?xml version="1.0" encoding="utf-8"?>
+<p:notes xmlns:a="http://schemas.openxmlformats.org/drawingml/2006/main" xmlns:r="http://schemas.openxmlformats.org/officeDocument/2006/relationships" xmlns:p="http://schemas.openxmlformats.org/presentationml/2006/main">
+  <p:cSld>
+    <p:spTree>
+      <p:nvGrpSpPr>
+        <p:cNvPr id="1" name=""/>
+        <p:cNvGrpSpPr/>
+        <p:nvPr/>
+      </p:nvGrpSpPr>
+      <p:grpSpPr>
+        <a:xfrm>
+          <a:off x="0" y="0"/>
+          <a:ext cx="0" cy="0"/>
+          <a:chOff x="0" y="0"/>
+          <a:chExt cx="0" cy="0"/>
+        </a:xfrm>
+      </p:grpSpPr>
+      <p:sp>
+        <p:nvSpPr>
+          <p:cNvPr id="2" name="投影片影像版面配置區 1"/>
+          <p:cNvSpPr>
+            <a:spLocks noGrp="1" noRot="1" noChangeAspect="1"/>
+          </p:cNvSpPr>
+          <p:nvPr>
+            <p:ph type="sldImg"/>
+          </p:nvPr>
+        </p:nvSpPr>
+        <p:spPr/>
+      </p:sp>
+      <p:sp>
+        <p:nvSpPr>
+          <p:cNvPr id="3" name="備忘稿版面配置區 2"/>
+          <p:cNvSpPr>
+            <a:spLocks noGrp="1"/>
+          </p:cNvSpPr>
+          <p:nvPr>
+            <p:ph type="body" idx="1"/>
+          </p:nvPr>
+        </p:nvSpPr>
+        <p:spPr/>
+        <p:txBody>
+          <a:bodyPr/>
+          <a:lstStyle/>
+          <a:p>
+            <a:endParaRPr lang="zh-TW" altLang="en-US" dirty="0"/>
+          </a:p>
+        </p:txBody>
+      </p:sp>
+      <p:sp>
+        <p:nvSpPr>
+          <p:cNvPr id="4" name="投影片編號版面配置區 3"/>
+          <p:cNvSpPr>
+            <a:spLocks noGrp="1"/>
+          </p:cNvSpPr>
+          <p:nvPr>
+            <p:ph type="sldNum" sz="quarter" idx="5"/>
+          </p:nvPr>
+        </p:nvSpPr>
+        <p:spPr/>
+        <p:txBody>
+          <a:bodyPr/>
+          <a:lstStyle/>
+          <a:p>
+            <a:pPr marL="0" marR="0" lvl="0" indent="0" algn="r" defTabSz="914400" rtl="0" eaLnBrk="1" fontAlgn="auto" latinLnBrk="0" hangingPunct="1">
+              <a:lnSpc>
+                <a:spcPct val="100000"/>
+              </a:lnSpc>
+              <a:spcBef>
+                <a:spcPts val="0"/>
+              </a:spcBef>
+              <a:spcAft>
+                <a:spcPts val="0"/>
+              </a:spcAft>
+              <a:buClrTx/>
+              <a:buSzTx/>
+              <a:buFontTx/>
+              <a:buNone/>
+              <a:tabLst/>
+              <a:defRPr/>
+            </a:pPr>
+            <a:fld id="{D0951802-1F6E-44D6-A682-F78D890A50A2}" type="slidenum">
+              <a:rPr kumimoji="0" lang="zh-TW" altLang="en-US" sz="1200" b="0" i="0" u="none" strike="noStrike" kern="1200" cap="none" spc="0" normalizeH="0" baseline="0" noProof="0" smtClean="0">
+                <a:ln>
+                  <a:noFill/>
+                </a:ln>
+                <a:solidFill>
+                  <a:prstClr val="black"/>
+                </a:solidFill>
+                <a:effectLst/>
+                <a:uLnTx/>
+                <a:uFillTx/>
+                <a:latin typeface="Calibri" panose="020F0502020204030204"/>
+                <a:ea typeface="新細明體" panose="02020500000000000000" pitchFamily="18" charset="-120"/>
+                <a:cs typeface="+mn-cs"/>
+              </a:rPr>
+              <a:pPr marL="0" marR="0" lvl="0" indent="0" algn="r" defTabSz="914400" rtl="0" eaLnBrk="1" fontAlgn="auto" latinLnBrk="0" hangingPunct="1">
+                <a:lnSpc>
+                  <a:spcPct val="100000"/>
+                </a:lnSpc>
+                <a:spcBef>
+                  <a:spcPts val="0"/>
+                </a:spcBef>
+                <a:spcAft>
+                  <a:spcPts val="0"/>
+                </a:spcAft>
+                <a:buClrTx/>
+                <a:buSzTx/>
+                <a:buFontTx/>
+                <a:buNone/>
+                <a:tabLst/>
+                <a:defRPr/>
+              </a:pPr>
+              <a:t>4</a:t>
+            </a:fld>
+            <a:endParaRPr kumimoji="0" lang="zh-TW" altLang="en-US" sz="1200" b="0" i="0" u="none" strike="noStrike" kern="1200" cap="none" spc="0" normalizeH="0" baseline="0" noProof="0">
+              <a:ln>
+                <a:noFill/>
+              </a:ln>
+              <a:solidFill>
+                <a:prstClr val="black"/>
+              </a:solidFill>
+              <a:effectLst/>
+              <a:uLnTx/>
+              <a:uFillTx/>
+              <a:latin typeface="Calibri" panose="020F0502020204030204"/>
+              <a:ea typeface="新細明體" panose="02020500000000000000" pitchFamily="18" charset="-120"/>
+              <a:cs typeface="+mn-cs"/>
+            </a:endParaRPr>
+          </a:p>
+        </p:txBody>
+      </p:sp>
+    </p:spTree>
+    <p:extLst>
+      <p:ext uri="{BB962C8B-B14F-4D97-AF65-F5344CB8AC3E}">
+        <p14:creationId xmlns:p14="http://schemas.microsoft.com/office/powerpoint/2010/main" val="3997684387"/>
+      </p:ext>
+    </p:extLst>
+  </p:cSld>
+  <p:clrMapOvr>
+    <a:masterClrMapping/>
+  </p:clrMapOvr>
+</p:notes>
+</file>
+
+<file path=ppt/notesSlides/notesSlide4.xml><?xml version="1.0" encoding="utf-8"?>
+<p:notes xmlns:a="http://schemas.openxmlformats.org/drawingml/2006/main" xmlns:r="http://schemas.openxmlformats.org/officeDocument/2006/relationships" xmlns:p="http://schemas.openxmlformats.org/presentationml/2006/main">
+  <p:cSld>
+    <p:spTree>
+      <p:nvGrpSpPr>
+        <p:cNvPr id="1" name=""/>
+        <p:cNvGrpSpPr/>
+        <p:nvPr/>
+      </p:nvGrpSpPr>
+      <p:grpSpPr>
+        <a:xfrm>
+          <a:off x="0" y="0"/>
+          <a:ext cx="0" cy="0"/>
+          <a:chOff x="0" y="0"/>
+          <a:chExt cx="0" cy="0"/>
+        </a:xfrm>
+      </p:grpSpPr>
+      <p:sp>
+        <p:nvSpPr>
+          <p:cNvPr id="2" name="投影片影像版面配置區 1"/>
+          <p:cNvSpPr>
+            <a:spLocks noGrp="1" noRot="1" noChangeAspect="1"/>
+          </p:cNvSpPr>
+          <p:nvPr>
+            <p:ph type="sldImg"/>
+          </p:nvPr>
+        </p:nvSpPr>
+        <p:spPr/>
+      </p:sp>
+      <p:sp>
+        <p:nvSpPr>
+          <p:cNvPr id="3" name="備忘稿版面配置區 2"/>
+          <p:cNvSpPr>
+            <a:spLocks noGrp="1"/>
+          </p:cNvSpPr>
+          <p:nvPr>
+            <p:ph type="body" idx="1"/>
+          </p:nvPr>
+        </p:nvSpPr>
+        <p:spPr/>
+        <p:txBody>
+          <a:bodyPr/>
+          <a:lstStyle/>
+          <a:p>
+            <a:endParaRPr lang="zh-TW" altLang="en-US" dirty="0"/>
+          </a:p>
+        </p:txBody>
+      </p:sp>
+      <p:sp>
+        <p:nvSpPr>
+          <p:cNvPr id="4" name="投影片編號版面配置區 3"/>
+          <p:cNvSpPr>
+            <a:spLocks noGrp="1"/>
+          </p:cNvSpPr>
+          <p:nvPr>
+            <p:ph type="sldNum" sz="quarter" idx="5"/>
+          </p:nvPr>
+        </p:nvSpPr>
+        <p:spPr/>
+        <p:txBody>
+          <a:bodyPr/>
+          <a:lstStyle/>
+          <a:p>
+            <a:pPr marL="0" marR="0" lvl="0" indent="0" algn="r" defTabSz="914400" rtl="0" eaLnBrk="1" fontAlgn="auto" latinLnBrk="0" hangingPunct="1">
+              <a:lnSpc>
+                <a:spcPct val="100000"/>
+              </a:lnSpc>
+              <a:spcBef>
+                <a:spcPts val="0"/>
+              </a:spcBef>
+              <a:spcAft>
+                <a:spcPts val="0"/>
+              </a:spcAft>
+              <a:buClrTx/>
+              <a:buSzTx/>
+              <a:buFontTx/>
+              <a:buNone/>
+              <a:tabLst/>
+              <a:defRPr/>
+            </a:pPr>
+            <a:fld id="{D0951802-1F6E-44D6-A682-F78D890A50A2}" type="slidenum">
+              <a:rPr kumimoji="0" lang="zh-TW" altLang="en-US" sz="1200" b="0" i="0" u="none" strike="noStrike" kern="1200" cap="none" spc="0" normalizeH="0" baseline="0" noProof="0" smtClean="0">
+                <a:ln>
+                  <a:noFill/>
+                </a:ln>
+                <a:solidFill>
+                  <a:prstClr val="black"/>
+                </a:solidFill>
+                <a:effectLst/>
+                <a:uLnTx/>
+                <a:uFillTx/>
+                <a:latin typeface="Calibri" panose="020F0502020204030204"/>
+                <a:ea typeface="新細明體" panose="02020500000000000000" pitchFamily="18" charset="-120"/>
+                <a:cs typeface="+mn-cs"/>
+              </a:rPr>
+              <a:pPr marL="0" marR="0" lvl="0" indent="0" algn="r" defTabSz="914400" rtl="0" eaLnBrk="1" fontAlgn="auto" latinLnBrk="0" hangingPunct="1">
+                <a:lnSpc>
+                  <a:spcPct val="100000"/>
+                </a:lnSpc>
+                <a:spcBef>
+                  <a:spcPts val="0"/>
+                </a:spcBef>
+                <a:spcAft>
+                  <a:spcPts val="0"/>
+                </a:spcAft>
+                <a:buClrTx/>
+                <a:buSzTx/>
+                <a:buFontTx/>
+                <a:buNone/>
+                <a:tabLst/>
+                <a:defRPr/>
+              </a:pPr>
+              <a:t>5</a:t>
+            </a:fld>
+            <a:endParaRPr kumimoji="0" lang="zh-TW" altLang="en-US" sz="1200" b="0" i="0" u="none" strike="noStrike" kern="1200" cap="none" spc="0" normalizeH="0" baseline="0" noProof="0">
+              <a:ln>
+                <a:noFill/>
+              </a:ln>
+              <a:solidFill>
+                <a:prstClr val="black"/>
+              </a:solidFill>
+              <a:effectLst/>
+              <a:uLnTx/>
+              <a:uFillTx/>
+              <a:latin typeface="Calibri" panose="020F0502020204030204"/>
+              <a:ea typeface="新細明體" panose="02020500000000000000" pitchFamily="18" charset="-120"/>
+              <a:cs typeface="+mn-cs"/>
+            </a:endParaRPr>
+          </a:p>
+        </p:txBody>
+      </p:sp>
+    </p:spTree>
+    <p:extLst>
+      <p:ext uri="{BB962C8B-B14F-4D97-AF65-F5344CB8AC3E}">
+        <p14:creationId xmlns:p14="http://schemas.microsoft.com/office/powerpoint/2010/main" val="2020286716"/>
+      </p:ext>
+    </p:extLst>
+  </p:cSld>
+  <p:clrMapOvr>
+    <a:masterClrMapping/>
+  </p:clrMapOvr>
+</p:notes>
+</file>
+
+<file path=ppt/notesSlides/notesSlide5.xml><?xml version="1.0" encoding="utf-8"?>
+<p:notes xmlns:a="http://schemas.openxmlformats.org/drawingml/2006/main" xmlns:r="http://schemas.openxmlformats.org/officeDocument/2006/relationships" xmlns:p="http://schemas.openxmlformats.org/presentationml/2006/main">
+  <p:cSld>
+    <p:spTree>
+      <p:nvGrpSpPr>
+        <p:cNvPr id="1" name=""/>
+        <p:cNvGrpSpPr/>
+        <p:nvPr/>
+      </p:nvGrpSpPr>
+      <p:grpSpPr>
+        <a:xfrm>
+          <a:off x="0" y="0"/>
+          <a:ext cx="0" cy="0"/>
+          <a:chOff x="0" y="0"/>
+          <a:chExt cx="0" cy="0"/>
+        </a:xfrm>
+      </p:grpSpPr>
+      <p:sp>
+        <p:nvSpPr>
+          <p:cNvPr id="2" name="投影片影像版面配置區 1"/>
+          <p:cNvSpPr>
+            <a:spLocks noGrp="1" noRot="1" noChangeAspect="1"/>
+          </p:cNvSpPr>
+          <p:nvPr>
+            <p:ph type="sldImg"/>
+          </p:nvPr>
+        </p:nvSpPr>
+        <p:spPr/>
+      </p:sp>
+      <p:sp>
+        <p:nvSpPr>
+          <p:cNvPr id="3" name="備忘稿版面配置區 2"/>
+          <p:cNvSpPr>
+            <a:spLocks noGrp="1"/>
+          </p:cNvSpPr>
+          <p:nvPr>
+            <p:ph type="body" idx="1"/>
+          </p:nvPr>
+        </p:nvSpPr>
+        <p:spPr/>
+        <p:txBody>
+          <a:bodyPr/>
+          <a:lstStyle/>
+          <a:p>
+            <a:endParaRPr lang="zh-TW" altLang="en-US" dirty="0"/>
+          </a:p>
+        </p:txBody>
+      </p:sp>
+      <p:sp>
+        <p:nvSpPr>
+          <p:cNvPr id="4" name="投影片編號版面配置區 3"/>
+          <p:cNvSpPr>
+            <a:spLocks noGrp="1"/>
+          </p:cNvSpPr>
+          <p:nvPr>
+            <p:ph type="sldNum" sz="quarter" idx="5"/>
+          </p:nvPr>
+        </p:nvSpPr>
+        <p:spPr/>
+        <p:txBody>
+          <a:bodyPr/>
+          <a:lstStyle/>
+          <a:p>
+            <a:pPr marL="0" marR="0" lvl="0" indent="0" algn="r" defTabSz="914400" rtl="0" eaLnBrk="1" fontAlgn="auto" latinLnBrk="0" hangingPunct="1">
+              <a:lnSpc>
+                <a:spcPct val="100000"/>
+              </a:lnSpc>
+              <a:spcBef>
+                <a:spcPts val="0"/>
+              </a:spcBef>
+              <a:spcAft>
+                <a:spcPts val="0"/>
+              </a:spcAft>
+              <a:buClrTx/>
+              <a:buSzTx/>
+              <a:buFontTx/>
+              <a:buNone/>
+              <a:tabLst/>
+              <a:defRPr/>
+            </a:pPr>
+            <a:fld id="{D0951802-1F6E-44D6-A682-F78D890A50A2}" type="slidenum">
+              <a:rPr kumimoji="0" lang="zh-TW" altLang="en-US" sz="1200" b="0" i="0" u="none" strike="noStrike" kern="1200" cap="none" spc="0" normalizeH="0" baseline="0" noProof="0" smtClean="0">
+                <a:ln>
+                  <a:noFill/>
+                </a:ln>
+                <a:solidFill>
+                  <a:prstClr val="black"/>
+                </a:solidFill>
+                <a:effectLst/>
+                <a:uLnTx/>
+                <a:uFillTx/>
+                <a:latin typeface="Calibri" panose="020F0502020204030204"/>
+                <a:ea typeface="新細明體" panose="02020500000000000000" pitchFamily="18" charset="-120"/>
+                <a:cs typeface="+mn-cs"/>
+              </a:rPr>
+              <a:pPr marL="0" marR="0" lvl="0" indent="0" algn="r" defTabSz="914400" rtl="0" eaLnBrk="1" fontAlgn="auto" latinLnBrk="0" hangingPunct="1">
+                <a:lnSpc>
+                  <a:spcPct val="100000"/>
+                </a:lnSpc>
+                <a:spcBef>
+                  <a:spcPts val="0"/>
+                </a:spcBef>
+                <a:spcAft>
+                  <a:spcPts val="0"/>
+                </a:spcAft>
+                <a:buClrTx/>
+                <a:buSzTx/>
+                <a:buFontTx/>
+                <a:buNone/>
+                <a:tabLst/>
+                <a:defRPr/>
+              </a:pPr>
+              <a:t>6</a:t>
+            </a:fld>
+            <a:endParaRPr kumimoji="0" lang="zh-TW" altLang="en-US" sz="1200" b="0" i="0" u="none" strike="noStrike" kern="1200" cap="none" spc="0" normalizeH="0" baseline="0" noProof="0">
+              <a:ln>
+                <a:noFill/>
+              </a:ln>
+              <a:solidFill>
+                <a:prstClr val="black"/>
+              </a:solidFill>
+              <a:effectLst/>
+              <a:uLnTx/>
+              <a:uFillTx/>
+              <a:latin typeface="Calibri" panose="020F0502020204030204"/>
+              <a:ea typeface="新細明體" panose="02020500000000000000" pitchFamily="18" charset="-120"/>
+              <a:cs typeface="+mn-cs"/>
+            </a:endParaRPr>
+          </a:p>
+        </p:txBody>
+      </p:sp>
+    </p:spTree>
+    <p:extLst>
+      <p:ext uri="{BB962C8B-B14F-4D97-AF65-F5344CB8AC3E}">
+        <p14:creationId xmlns:p14="http://schemas.microsoft.com/office/powerpoint/2010/main" val="1213154932"/>
+      </p:ext>
+    </p:extLst>
+  </p:cSld>
+  <p:clrMapOvr>
+    <a:masterClrMapping/>
+  </p:clrMapOvr>
+</p:notes>
+</file>
+
+<file path=ppt/notesSlides/notesSlide6.xml><?xml version="1.0" encoding="utf-8"?>
+<p:notes xmlns:a="http://schemas.openxmlformats.org/drawingml/2006/main" xmlns:r="http://schemas.openxmlformats.org/officeDocument/2006/relationships" xmlns:p="http://schemas.openxmlformats.org/presentationml/2006/main">
+  <p:cSld>
+    <p:spTree>
+      <p:nvGrpSpPr>
+        <p:cNvPr id="1" name=""/>
+        <p:cNvGrpSpPr/>
+        <p:nvPr/>
+      </p:nvGrpSpPr>
+      <p:grpSpPr>
+        <a:xfrm>
+          <a:off x="0" y="0"/>
+          <a:ext cx="0" cy="0"/>
+          <a:chOff x="0" y="0"/>
+          <a:chExt cx="0" cy="0"/>
+        </a:xfrm>
+      </p:grpSpPr>
+      <p:sp>
+        <p:nvSpPr>
+          <p:cNvPr id="2" name="投影片影像版面配置區 1"/>
+          <p:cNvSpPr>
+            <a:spLocks noGrp="1" noRot="1" noChangeAspect="1"/>
+          </p:cNvSpPr>
+          <p:nvPr>
+            <p:ph type="sldImg"/>
+          </p:nvPr>
+        </p:nvSpPr>
+        <p:spPr/>
+      </p:sp>
+      <p:sp>
+        <p:nvSpPr>
+          <p:cNvPr id="3" name="備忘稿版面配置區 2"/>
+          <p:cNvSpPr>
+            <a:spLocks noGrp="1"/>
+          </p:cNvSpPr>
+          <p:nvPr>
+            <p:ph type="body" idx="1"/>
+          </p:nvPr>
+        </p:nvSpPr>
+        <p:spPr/>
+        <p:txBody>
+          <a:bodyPr/>
+          <a:lstStyle/>
+          <a:p>
+            <a:endParaRPr lang="zh-TW" altLang="en-US" dirty="0"/>
+          </a:p>
+        </p:txBody>
+      </p:sp>
+      <p:sp>
+        <p:nvSpPr>
+          <p:cNvPr id="4" name="投影片編號版面配置區 3"/>
+          <p:cNvSpPr>
+            <a:spLocks noGrp="1"/>
+          </p:cNvSpPr>
+          <p:nvPr>
+            <p:ph type="sldNum" sz="quarter" idx="5"/>
+          </p:nvPr>
+        </p:nvSpPr>
+        <p:spPr/>
+        <p:txBody>
+          <a:bodyPr/>
+          <a:lstStyle/>
+          <a:p>
+            <a:pPr marL="0" marR="0" lvl="0" indent="0" algn="r" defTabSz="914400" rtl="0" eaLnBrk="1" fontAlgn="auto" latinLnBrk="0" hangingPunct="1">
+              <a:lnSpc>
+                <a:spcPct val="100000"/>
+              </a:lnSpc>
+              <a:spcBef>
+                <a:spcPts val="0"/>
+              </a:spcBef>
+              <a:spcAft>
+                <a:spcPts val="0"/>
+              </a:spcAft>
+              <a:buClrTx/>
+              <a:buSzTx/>
+              <a:buFontTx/>
+              <a:buNone/>
+              <a:tabLst/>
+              <a:defRPr/>
+            </a:pPr>
+            <a:fld id="{D0951802-1F6E-44D6-A682-F78D890A50A2}" type="slidenum">
+              <a:rPr kumimoji="0" lang="zh-TW" altLang="en-US" sz="1200" b="0" i="0" u="none" strike="noStrike" kern="1200" cap="none" spc="0" normalizeH="0" baseline="0" noProof="0" smtClean="0">
+                <a:ln>
+                  <a:noFill/>
+                </a:ln>
+                <a:solidFill>
+                  <a:prstClr val="black"/>
+                </a:solidFill>
+                <a:effectLst/>
+                <a:uLnTx/>
+                <a:uFillTx/>
+                <a:latin typeface="Calibri" panose="020F0502020204030204"/>
+                <a:ea typeface="新細明體" panose="02020500000000000000" pitchFamily="18" charset="-120"/>
+                <a:cs typeface="+mn-cs"/>
+              </a:rPr>
+              <a:pPr marL="0" marR="0" lvl="0" indent="0" algn="r" defTabSz="914400" rtl="0" eaLnBrk="1" fontAlgn="auto" latinLnBrk="0" hangingPunct="1">
+                <a:lnSpc>
+                  <a:spcPct val="100000"/>
+                </a:lnSpc>
+                <a:spcBef>
+                  <a:spcPts val="0"/>
+                </a:spcBef>
+                <a:spcAft>
+                  <a:spcPts val="0"/>
+                </a:spcAft>
+                <a:buClrTx/>
+                <a:buSzTx/>
+                <a:buFontTx/>
+                <a:buNone/>
+                <a:tabLst/>
+                <a:defRPr/>
+              </a:pPr>
+              <a:t>7</a:t>
+            </a:fld>
+            <a:endParaRPr kumimoji="0" lang="zh-TW" altLang="en-US" sz="1200" b="0" i="0" u="none" strike="noStrike" kern="1200" cap="none" spc="0" normalizeH="0" baseline="0" noProof="0">
+              <a:ln>
+                <a:noFill/>
+              </a:ln>
+              <a:solidFill>
+                <a:prstClr val="black"/>
+              </a:solidFill>
+              <a:effectLst/>
+              <a:uLnTx/>
+              <a:uFillTx/>
+              <a:latin typeface="Calibri" panose="020F0502020204030204"/>
+              <a:ea typeface="新細明體" panose="02020500000000000000" pitchFamily="18" charset="-120"/>
+              <a:cs typeface="+mn-cs"/>
+            </a:endParaRPr>
+          </a:p>
+        </p:txBody>
+      </p:sp>
+    </p:spTree>
+    <p:extLst>
+      <p:ext uri="{BB962C8B-B14F-4D97-AF65-F5344CB8AC3E}">
+        <p14:creationId xmlns:p14="http://schemas.microsoft.com/office/powerpoint/2010/main" val="1126029554"/>
+      </p:ext>
+    </p:extLst>
+  </p:cSld>
+  <p:clrMapOvr>
+    <a:masterClrMapping/>
+  </p:clrMapOvr>
+</p:notes>
+</file>
+
+<file path=ppt/notesSlides/notesSlide7.xml><?xml version="1.0" encoding="utf-8"?>
+<p:notes xmlns:a="http://schemas.openxmlformats.org/drawingml/2006/main" xmlns:r="http://schemas.openxmlformats.org/officeDocument/2006/relationships" xmlns:p="http://schemas.openxmlformats.org/presentationml/2006/main">
+  <p:cSld>
+    <p:spTree>
+      <p:nvGrpSpPr>
+        <p:cNvPr id="1" name=""/>
+        <p:cNvGrpSpPr/>
+        <p:nvPr/>
+      </p:nvGrpSpPr>
+      <p:grpSpPr>
+        <a:xfrm>
+          <a:off x="0" y="0"/>
+          <a:ext cx="0" cy="0"/>
+          <a:chOff x="0" y="0"/>
+          <a:chExt cx="0" cy="0"/>
+        </a:xfrm>
+      </p:grpSpPr>
+      <p:sp>
+        <p:nvSpPr>
+          <p:cNvPr id="2" name="投影片影像版面配置區 1"/>
+          <p:cNvSpPr>
+            <a:spLocks noGrp="1" noRot="1" noChangeAspect="1"/>
+          </p:cNvSpPr>
+          <p:nvPr>
+            <p:ph type="sldImg"/>
+          </p:nvPr>
+        </p:nvSpPr>
+        <p:spPr/>
+      </p:sp>
+      <p:sp>
+        <p:nvSpPr>
+          <p:cNvPr id="3" name="備忘稿版面配置區 2"/>
+          <p:cNvSpPr>
+            <a:spLocks noGrp="1"/>
+          </p:cNvSpPr>
+          <p:nvPr>
+            <p:ph type="body" idx="1"/>
+          </p:nvPr>
+        </p:nvSpPr>
+        <p:spPr/>
+        <p:txBody>
+          <a:bodyPr/>
+          <a:lstStyle/>
+          <a:p>
+            <a:endParaRPr lang="zh-TW" altLang="en-US" dirty="0"/>
+          </a:p>
+        </p:txBody>
+      </p:sp>
+      <p:sp>
+        <p:nvSpPr>
+          <p:cNvPr id="4" name="投影片編號版面配置區 3"/>
+          <p:cNvSpPr>
+            <a:spLocks noGrp="1"/>
+          </p:cNvSpPr>
+          <p:nvPr>
+            <p:ph type="sldNum" sz="quarter" idx="5"/>
+          </p:nvPr>
+        </p:nvSpPr>
+        <p:spPr/>
+        <p:txBody>
+          <a:bodyPr/>
+          <a:lstStyle/>
+          <a:p>
+            <a:pPr marL="0" marR="0" lvl="0" indent="0" algn="r" defTabSz="914400" rtl="0" eaLnBrk="1" fontAlgn="auto" latinLnBrk="0" hangingPunct="1">
+              <a:lnSpc>
+                <a:spcPct val="100000"/>
+              </a:lnSpc>
+              <a:spcBef>
+                <a:spcPts val="0"/>
+              </a:spcBef>
+              <a:spcAft>
+                <a:spcPts val="0"/>
+              </a:spcAft>
+              <a:buClrTx/>
+              <a:buSzTx/>
+              <a:buFontTx/>
+              <a:buNone/>
+              <a:tabLst/>
+              <a:defRPr/>
+            </a:pPr>
+            <a:fld id="{D0951802-1F6E-44D6-A682-F78D890A50A2}" type="slidenum">
+              <a:rPr kumimoji="0" lang="zh-TW" altLang="en-US" sz="1200" b="0" i="0" u="none" strike="noStrike" kern="1200" cap="none" spc="0" normalizeH="0" baseline="0" noProof="0" smtClean="0">
+                <a:ln>
+                  <a:noFill/>
+                </a:ln>
+                <a:solidFill>
+                  <a:prstClr val="black"/>
+                </a:solidFill>
+                <a:effectLst/>
+                <a:uLnTx/>
+                <a:uFillTx/>
+                <a:latin typeface="Calibri" panose="020F0502020204030204"/>
+                <a:ea typeface="新細明體" panose="02020500000000000000" pitchFamily="18" charset="-120"/>
+                <a:cs typeface="+mn-cs"/>
+              </a:rPr>
+              <a:pPr marL="0" marR="0" lvl="0" indent="0" algn="r" defTabSz="914400" rtl="0" eaLnBrk="1" fontAlgn="auto" latinLnBrk="0" hangingPunct="1">
+                <a:lnSpc>
+                  <a:spcPct val="100000"/>
+                </a:lnSpc>
+                <a:spcBef>
+                  <a:spcPts val="0"/>
+                </a:spcBef>
+                <a:spcAft>
+                  <a:spcPts val="0"/>
+                </a:spcAft>
+                <a:buClrTx/>
+                <a:buSzTx/>
+                <a:buFontTx/>
+                <a:buNone/>
+                <a:tabLst/>
+                <a:defRPr/>
+              </a:pPr>
+              <a:t>8</a:t>
+            </a:fld>
+            <a:endParaRPr kumimoji="0" lang="zh-TW" altLang="en-US" sz="1200" b="0" i="0" u="none" strike="noStrike" kern="1200" cap="none" spc="0" normalizeH="0" baseline="0" noProof="0">
+              <a:ln>
+                <a:noFill/>
+              </a:ln>
+              <a:solidFill>
+                <a:prstClr val="black"/>
+              </a:solidFill>
+              <a:effectLst/>
+              <a:uLnTx/>
+              <a:uFillTx/>
+              <a:latin typeface="Calibri" panose="020F0502020204030204"/>
+              <a:ea typeface="新細明體" panose="02020500000000000000" pitchFamily="18" charset="-120"/>
+              <a:cs typeface="+mn-cs"/>
+            </a:endParaRPr>
+          </a:p>
+        </p:txBody>
+      </p:sp>
+    </p:spTree>
+    <p:extLst>
+      <p:ext uri="{BB962C8B-B14F-4D97-AF65-F5344CB8AC3E}">
+        <p14:creationId xmlns:p14="http://schemas.microsoft.com/office/powerpoint/2010/main" val="1667609972"/>
+      </p:ext>
+    </p:extLst>
+  </p:cSld>
+  <p:clrMapOvr>
+    <a:masterClrMapping/>
+  </p:clrMapOvr>
+</p:notes>
 </file>
 
 <file path=ppt/slideLayouts/slideLayout1.xml><?xml version="1.0" encoding="utf-8"?>
@@ -254,7 +1626,7 @@
           <a:p>
             <a:fld id="{C3C90D7E-32D6-4894-AE08-7BBB3E610FC9}" type="datetimeFigureOut">
               <a:rPr lang="zh-TW" altLang="en-US" smtClean="0"/>
-              <a:t>2024/9/16</a:t>
+              <a:t>2024/10/16</a:t>
             </a:fld>
             <a:endParaRPr lang="zh-TW" altLang="en-US"/>
           </a:p>
@@ -452,7 +1824,7 @@
           <a:p>
             <a:fld id="{C3C90D7E-32D6-4894-AE08-7BBB3E610FC9}" type="datetimeFigureOut">
               <a:rPr lang="zh-TW" altLang="en-US" smtClean="0"/>
-              <a:t>2024/9/16</a:t>
+              <a:t>2024/10/16</a:t>
             </a:fld>
             <a:endParaRPr lang="zh-TW" altLang="en-US"/>
           </a:p>
@@ -660,7 +2032,7 @@
           <a:p>
             <a:fld id="{C3C90D7E-32D6-4894-AE08-7BBB3E610FC9}" type="datetimeFigureOut">
               <a:rPr lang="zh-TW" altLang="en-US" smtClean="0"/>
-              <a:t>2024/9/16</a:t>
+              <a:t>2024/10/16</a:t>
             </a:fld>
             <a:endParaRPr lang="zh-TW" altLang="en-US"/>
           </a:p>
@@ -858,7 +2230,7 @@
           <a:p>
             <a:fld id="{C3C90D7E-32D6-4894-AE08-7BBB3E610FC9}" type="datetimeFigureOut">
               <a:rPr lang="zh-TW" altLang="en-US" smtClean="0"/>
-              <a:t>2024/9/16</a:t>
+              <a:t>2024/10/16</a:t>
             </a:fld>
             <a:endParaRPr lang="zh-TW" altLang="en-US"/>
           </a:p>
@@ -1133,7 +2505,7 @@
           <a:p>
             <a:fld id="{C3C90D7E-32D6-4894-AE08-7BBB3E610FC9}" type="datetimeFigureOut">
               <a:rPr lang="zh-TW" altLang="en-US" smtClean="0"/>
-              <a:t>2024/9/16</a:t>
+              <a:t>2024/10/16</a:t>
             </a:fld>
             <a:endParaRPr lang="zh-TW" altLang="en-US"/>
           </a:p>
@@ -1398,7 +2770,7 @@
           <a:p>
             <a:fld id="{C3C90D7E-32D6-4894-AE08-7BBB3E610FC9}" type="datetimeFigureOut">
               <a:rPr lang="zh-TW" altLang="en-US" smtClean="0"/>
-              <a:t>2024/9/16</a:t>
+              <a:t>2024/10/16</a:t>
             </a:fld>
             <a:endParaRPr lang="zh-TW" altLang="en-US"/>
           </a:p>
@@ -1810,7 +3182,7 @@
           <a:p>
             <a:fld id="{C3C90D7E-32D6-4894-AE08-7BBB3E610FC9}" type="datetimeFigureOut">
               <a:rPr lang="zh-TW" altLang="en-US" smtClean="0"/>
-              <a:t>2024/9/16</a:t>
+              <a:t>2024/10/16</a:t>
             </a:fld>
             <a:endParaRPr lang="zh-TW" altLang="en-US"/>
           </a:p>
@@ -1951,7 +3323,7 @@
           <a:p>
             <a:fld id="{C3C90D7E-32D6-4894-AE08-7BBB3E610FC9}" type="datetimeFigureOut">
               <a:rPr lang="zh-TW" altLang="en-US" smtClean="0"/>
-              <a:t>2024/9/16</a:t>
+              <a:t>2024/10/16</a:t>
             </a:fld>
             <a:endParaRPr lang="zh-TW" altLang="en-US"/>
           </a:p>
@@ -2064,7 +3436,7 @@
           <a:p>
             <a:fld id="{C3C90D7E-32D6-4894-AE08-7BBB3E610FC9}" type="datetimeFigureOut">
               <a:rPr lang="zh-TW" altLang="en-US" smtClean="0"/>
-              <a:t>2024/9/16</a:t>
+              <a:t>2024/10/16</a:t>
             </a:fld>
             <a:endParaRPr lang="zh-TW" altLang="en-US"/>
           </a:p>
@@ -2375,7 +3747,7 @@
           <a:p>
             <a:fld id="{C3C90D7E-32D6-4894-AE08-7BBB3E610FC9}" type="datetimeFigureOut">
               <a:rPr lang="zh-TW" altLang="en-US" smtClean="0"/>
-              <a:t>2024/9/16</a:t>
+              <a:t>2024/10/16</a:t>
             </a:fld>
             <a:endParaRPr lang="zh-TW" altLang="en-US"/>
           </a:p>
@@ -2663,7 +4035,7 @@
           <a:p>
             <a:fld id="{C3C90D7E-32D6-4894-AE08-7BBB3E610FC9}" type="datetimeFigureOut">
               <a:rPr lang="zh-TW" altLang="en-US" smtClean="0"/>
-              <a:t>2024/9/16</a:t>
+              <a:t>2024/10/16</a:t>
             </a:fld>
             <a:endParaRPr lang="zh-TW" altLang="en-US"/>
           </a:p>
@@ -2904,7 +4276,7 @@
           <a:p>
             <a:fld id="{C3C90D7E-32D6-4894-AE08-7BBB3E610FC9}" type="datetimeFigureOut">
               <a:rPr lang="zh-TW" altLang="en-US" smtClean="0"/>
-              <a:t>2024/9/16</a:t>
+              <a:t>2024/10/16</a:t>
             </a:fld>
             <a:endParaRPr lang="zh-TW" altLang="en-US"/>
           </a:p>
@@ -3307,6 +4679,15 @@
 <file path=ppt/slides/slide1.xml><?xml version="1.0" encoding="utf-8"?>
 <p:sld xmlns:a="http://schemas.openxmlformats.org/drawingml/2006/main" xmlns:r="http://schemas.openxmlformats.org/officeDocument/2006/relationships" xmlns:p="http://schemas.openxmlformats.org/presentationml/2006/main">
   <p:cSld>
+    <p:bg>
+      <p:bgPr>
+        <a:blipFill>
+          <a:blip r:embed="rId2"/>
+          <a:tile tx="0" ty="0" sx="100000" sy="100000" flip="none" algn="tl"/>
+        </a:blipFill>
+        <a:effectLst/>
+      </p:bgPr>
+    </p:bg>
     <p:spTree>
       <p:nvGrpSpPr>
         <p:cNvPr id="1" name=""/>
@@ -3323,58 +4704,1004 @@
       </p:grpSpPr>
       <p:sp>
         <p:nvSpPr>
-          <p:cNvPr id="2" name="標題 1">
-            <a:extLst>
-              <a:ext uri="{FF2B5EF4-FFF2-40B4-BE49-F238E27FC236}">
-                <a16:creationId xmlns:a16="http://schemas.microsoft.com/office/drawing/2014/main" id="{32532283-9F93-4E44-8138-32796965361F}"/>
-              </a:ext>
-            </a:extLst>
-          </p:cNvPr>
-          <p:cNvSpPr>
-            <a:spLocks noGrp="1"/>
-          </p:cNvSpPr>
-          <p:nvPr>
-            <p:ph type="ctrTitle"/>
-          </p:nvPr>
-        </p:nvSpPr>
-        <p:spPr/>
-        <p:txBody>
-          <a:bodyPr/>
-          <a:lstStyle/>
-          <a:p>
-            <a:endParaRPr lang="zh-TW" altLang="en-US"/>
-          </a:p>
-        </p:txBody>
-      </p:sp>
-      <p:sp>
-        <p:nvSpPr>
-          <p:cNvPr id="3" name="副標題 2">
-            <a:extLst>
-              <a:ext uri="{FF2B5EF4-FFF2-40B4-BE49-F238E27FC236}">
-                <a16:creationId xmlns:a16="http://schemas.microsoft.com/office/drawing/2014/main" id="{8C946F38-524D-4B98-B9CB-80AEE57E455A}"/>
-              </a:ext>
-            </a:extLst>
-          </p:cNvPr>
-          <p:cNvSpPr>
-            <a:spLocks noGrp="1"/>
-          </p:cNvSpPr>
-          <p:nvPr>
-            <p:ph type="subTitle" idx="1"/>
-          </p:nvPr>
-        </p:nvSpPr>
-        <p:spPr/>
-        <p:txBody>
-          <a:bodyPr/>
-          <a:lstStyle/>
-          <a:p>
-            <a:endParaRPr lang="zh-TW" altLang="en-US"/>
+          <p:cNvPr id="4" name="文字方塊 3">
+            <a:extLst>
+              <a:ext uri="{FF2B5EF4-FFF2-40B4-BE49-F238E27FC236}">
+                <a16:creationId xmlns:a16="http://schemas.microsoft.com/office/drawing/2014/main" id="{E062AE0F-222B-44C2-A398-F1559C975C48}"/>
+              </a:ext>
+            </a:extLst>
+          </p:cNvPr>
+          <p:cNvSpPr txBox="1"/>
+          <p:nvPr/>
+        </p:nvSpPr>
+        <p:spPr>
+          <a:xfrm>
+            <a:off x="581891" y="2587336"/>
+            <a:ext cx="6380018" cy="1323439"/>
+          </a:xfrm>
+          <a:prstGeom prst="rect">
+            <a:avLst/>
+          </a:prstGeom>
+          <a:noFill/>
+        </p:spPr>
+        <p:txBody>
+          <a:bodyPr wrap="square" rtlCol="0">
+            <a:spAutoFit/>
+          </a:bodyPr>
+          <a:lstStyle/>
+          <a:p>
+            <a:pPr marL="0" marR="0" lvl="0" indent="0" algn="ctr" defTabSz="914400" rtl="0" eaLnBrk="1" fontAlgn="auto" latinLnBrk="0" hangingPunct="1">
+              <a:lnSpc>
+                <a:spcPct val="100000"/>
+              </a:lnSpc>
+              <a:spcBef>
+                <a:spcPts val="0"/>
+              </a:spcBef>
+              <a:spcAft>
+                <a:spcPts val="0"/>
+              </a:spcAft>
+              <a:buClrTx/>
+              <a:buSzTx/>
+              <a:buFontTx/>
+              <a:buNone/>
+              <a:tabLst/>
+              <a:defRPr/>
+            </a:pPr>
+            <a:r>
+              <a:rPr lang="zh-TW" altLang="en-US" sz="4000" dirty="0">
+                <a:solidFill>
+                  <a:prstClr val="black"/>
+                </a:solidFill>
+                <a:latin typeface="新細明體-ExtB" panose="02020500000000000000" pitchFamily="18" charset="-120"/>
+                <a:ea typeface="新細明體-ExtB" panose="02020500000000000000" pitchFamily="18" charset="-120"/>
+              </a:rPr>
+              <a:t>冒險故事</a:t>
+            </a:r>
+            <a:endParaRPr kumimoji="0" lang="en-US" altLang="zh-TW" sz="4000" b="0" i="0" u="none" strike="noStrike" kern="1200" cap="none" spc="0" normalizeH="0" baseline="0" noProof="0" dirty="0">
+              <a:ln>
+                <a:noFill/>
+              </a:ln>
+              <a:solidFill>
+                <a:prstClr val="black"/>
+              </a:solidFill>
+              <a:effectLst/>
+              <a:uLnTx/>
+              <a:uFillTx/>
+              <a:latin typeface="新細明體-ExtB" panose="02020500000000000000" pitchFamily="18" charset="-120"/>
+              <a:ea typeface="新細明體-ExtB" panose="02020500000000000000" pitchFamily="18" charset="-120"/>
+              <a:cs typeface="+mn-cs"/>
+            </a:endParaRPr>
+          </a:p>
+          <a:p>
+            <a:pPr marL="0" marR="0" lvl="0" indent="0" algn="ctr" defTabSz="914400" rtl="0" eaLnBrk="1" fontAlgn="auto" latinLnBrk="0" hangingPunct="1">
+              <a:lnSpc>
+                <a:spcPct val="100000"/>
+              </a:lnSpc>
+              <a:spcBef>
+                <a:spcPts val="0"/>
+              </a:spcBef>
+              <a:spcAft>
+                <a:spcPts val="0"/>
+              </a:spcAft>
+              <a:buClrTx/>
+              <a:buSzTx/>
+              <a:buFontTx/>
+              <a:buNone/>
+              <a:tabLst/>
+              <a:defRPr/>
+            </a:pPr>
+            <a:r>
+              <a:rPr kumimoji="0" lang="en-US" altLang="zh-TW" sz="4000" b="0" i="0" u="none" strike="noStrike" kern="1200" cap="none" spc="0" normalizeH="0" baseline="0" noProof="0" dirty="0">
+                <a:ln>
+                  <a:noFill/>
+                </a:ln>
+                <a:solidFill>
+                  <a:prstClr val="black"/>
+                </a:solidFill>
+                <a:effectLst/>
+                <a:uLnTx/>
+                <a:uFillTx/>
+                <a:latin typeface="新細明體-ExtB" panose="02020500000000000000" pitchFamily="18" charset="-120"/>
+                <a:ea typeface="新細明體-ExtB" panose="02020500000000000000" pitchFamily="18" charset="-120"/>
+                <a:cs typeface="+mn-cs"/>
+              </a:rPr>
+              <a:t>(</a:t>
+            </a:r>
+            <a:r>
+              <a:rPr lang="en-US" altLang="zh-TW" sz="4000" dirty="0" err="1">
+                <a:solidFill>
+                  <a:prstClr val="black"/>
+                </a:solidFill>
+                <a:latin typeface="新細明體-ExtB" panose="02020500000000000000" pitchFamily="18" charset="-120"/>
+                <a:ea typeface="新細明體-ExtB" panose="02020500000000000000" pitchFamily="18" charset="-120"/>
+              </a:rPr>
+              <a:t>Animaze</a:t>
+            </a:r>
+            <a:r>
+              <a:rPr kumimoji="0" lang="en-US" altLang="zh-TW" sz="4000" b="0" i="0" u="none" strike="noStrike" kern="1200" cap="none" spc="0" normalizeH="0" baseline="0" noProof="0" dirty="0">
+                <a:ln>
+                  <a:noFill/>
+                </a:ln>
+                <a:solidFill>
+                  <a:prstClr val="black"/>
+                </a:solidFill>
+                <a:effectLst/>
+                <a:uLnTx/>
+                <a:uFillTx/>
+                <a:latin typeface="新細明體-ExtB" panose="02020500000000000000" pitchFamily="18" charset="-120"/>
+                <a:ea typeface="新細明體-ExtB" panose="02020500000000000000" pitchFamily="18" charset="-120"/>
+                <a:cs typeface="+mn-cs"/>
+              </a:rPr>
+              <a:t>)</a:t>
+            </a:r>
+            <a:endParaRPr kumimoji="0" lang="zh-TW" altLang="en-US" sz="4000" b="0" i="0" u="none" strike="noStrike" kern="1200" cap="none" spc="0" normalizeH="0" baseline="0" noProof="0" dirty="0">
+              <a:ln>
+                <a:noFill/>
+              </a:ln>
+              <a:solidFill>
+                <a:prstClr val="black"/>
+              </a:solidFill>
+              <a:effectLst/>
+              <a:uLnTx/>
+              <a:uFillTx/>
+              <a:latin typeface="新細明體-ExtB" panose="02020500000000000000" pitchFamily="18" charset="-120"/>
+              <a:ea typeface="新細明體-ExtB" panose="02020500000000000000" pitchFamily="18" charset="-120"/>
+              <a:cs typeface="+mn-cs"/>
+            </a:endParaRPr>
           </a:p>
         </p:txBody>
       </p:sp>
     </p:spTree>
     <p:extLst>
       <p:ext uri="{BB962C8B-B14F-4D97-AF65-F5344CB8AC3E}">
-        <p14:creationId xmlns:p14="http://schemas.microsoft.com/office/powerpoint/2010/main" val="1328321055"/>
+        <p14:creationId xmlns:p14="http://schemas.microsoft.com/office/powerpoint/2010/main" val="1655986831"/>
+      </p:ext>
+    </p:extLst>
+  </p:cSld>
+  <p:clrMapOvr>
+    <a:masterClrMapping/>
+  </p:clrMapOvr>
+</p:sld>
+</file>
+
+<file path=ppt/slides/slide2.xml><?xml version="1.0" encoding="utf-8"?>
+<p:sld xmlns:a="http://schemas.openxmlformats.org/drawingml/2006/main" xmlns:r="http://schemas.openxmlformats.org/officeDocument/2006/relationships" xmlns:p="http://schemas.openxmlformats.org/presentationml/2006/main">
+  <p:cSld>
+    <p:bg>
+      <p:bgPr>
+        <a:blipFill>
+          <a:blip r:embed="rId3"/>
+          <a:tile tx="0" ty="0" sx="100000" sy="100000" flip="none" algn="tl"/>
+        </a:blipFill>
+        <a:effectLst/>
+      </p:bgPr>
+    </p:bg>
+    <p:spTree>
+      <p:nvGrpSpPr>
+        <p:cNvPr id="1" name=""/>
+        <p:cNvGrpSpPr/>
+        <p:nvPr/>
+      </p:nvGrpSpPr>
+      <p:grpSpPr>
+        <a:xfrm>
+          <a:off x="0" y="0"/>
+          <a:ext cx="0" cy="0"/>
+          <a:chOff x="0" y="0"/>
+          <a:chExt cx="0" cy="0"/>
+        </a:xfrm>
+      </p:grpSpPr>
+      <p:sp>
+        <p:nvSpPr>
+          <p:cNvPr id="4" name="文字方塊 3">
+            <a:extLst>
+              <a:ext uri="{FF2B5EF4-FFF2-40B4-BE49-F238E27FC236}">
+                <a16:creationId xmlns:a16="http://schemas.microsoft.com/office/drawing/2014/main" id="{46F869C5-E50C-496C-AD6E-62653B2A49D5}"/>
+              </a:ext>
+            </a:extLst>
+          </p:cNvPr>
+          <p:cNvSpPr txBox="1"/>
+          <p:nvPr/>
+        </p:nvSpPr>
+        <p:spPr>
+          <a:xfrm>
+            <a:off x="301336" y="436418"/>
+            <a:ext cx="5122719" cy="523220"/>
+          </a:xfrm>
+          <a:prstGeom prst="rect">
+            <a:avLst/>
+          </a:prstGeom>
+          <a:noFill/>
+        </p:spPr>
+        <p:txBody>
+          <a:bodyPr wrap="square" rtlCol="0">
+            <a:spAutoFit/>
+          </a:bodyPr>
+          <a:lstStyle/>
+          <a:p>
+            <a:pPr marL="0" marR="0" lvl="0" indent="0" algn="l" defTabSz="914400" rtl="0" eaLnBrk="1" fontAlgn="auto" latinLnBrk="0" hangingPunct="1">
+              <a:lnSpc>
+                <a:spcPct val="100000"/>
+              </a:lnSpc>
+              <a:spcBef>
+                <a:spcPts val="0"/>
+              </a:spcBef>
+              <a:spcAft>
+                <a:spcPts val="0"/>
+              </a:spcAft>
+              <a:buClrTx/>
+              <a:buSzTx/>
+              <a:buFontTx/>
+              <a:buNone/>
+              <a:tabLst/>
+              <a:defRPr/>
+            </a:pPr>
+            <a:r>
+              <a:rPr kumimoji="0" lang="en-US" altLang="zh-TW" sz="2800" b="0" i="0" u="none" strike="noStrike" kern="1200" cap="none" spc="0" normalizeH="0" baseline="0" noProof="0" dirty="0">
+                <a:ln>
+                  <a:noFill/>
+                </a:ln>
+                <a:solidFill>
+                  <a:prstClr val="black"/>
+                </a:solidFill>
+                <a:effectLst/>
+                <a:uLnTx/>
+                <a:uFillTx/>
+                <a:latin typeface="新細明體-ExtB" panose="02020500000000000000" pitchFamily="18" charset="-120"/>
+                <a:ea typeface="新細明體-ExtB" panose="02020500000000000000" pitchFamily="18" charset="-120"/>
+                <a:cs typeface="+mn-cs"/>
+              </a:rPr>
+              <a:t>1.</a:t>
+            </a:r>
+            <a:r>
+              <a:rPr kumimoji="0" lang="zh-TW" altLang="en-US" sz="2800" b="0" i="0" u="none" strike="noStrike" kern="1200" cap="none" spc="0" normalizeH="0" baseline="0" noProof="0" dirty="0">
+                <a:ln>
+                  <a:noFill/>
+                </a:ln>
+                <a:solidFill>
+                  <a:prstClr val="black"/>
+                </a:solidFill>
+                <a:effectLst/>
+                <a:uLnTx/>
+                <a:uFillTx/>
+                <a:latin typeface="新細明體-ExtB" panose="02020500000000000000" pitchFamily="18" charset="-120"/>
+                <a:ea typeface="新細明體-ExtB" panose="02020500000000000000" pitchFamily="18" charset="-120"/>
+                <a:cs typeface="+mn-cs"/>
+              </a:rPr>
+              <a:t>目標</a:t>
+            </a:r>
+          </a:p>
+        </p:txBody>
+      </p:sp>
+    </p:spTree>
+    <p:extLst>
+      <p:ext uri="{BB962C8B-B14F-4D97-AF65-F5344CB8AC3E}">
+        <p14:creationId xmlns:p14="http://schemas.microsoft.com/office/powerpoint/2010/main" val="94873832"/>
+      </p:ext>
+    </p:extLst>
+  </p:cSld>
+  <p:clrMapOvr>
+    <a:masterClrMapping/>
+  </p:clrMapOvr>
+</p:sld>
+</file>
+
+<file path=ppt/slides/slide3.xml><?xml version="1.0" encoding="utf-8"?>
+<p:sld xmlns:a="http://schemas.openxmlformats.org/drawingml/2006/main" xmlns:r="http://schemas.openxmlformats.org/officeDocument/2006/relationships" xmlns:p="http://schemas.openxmlformats.org/presentationml/2006/main">
+  <p:cSld>
+    <p:bg>
+      <p:bgPr>
+        <a:blipFill>
+          <a:blip r:embed="rId3"/>
+          <a:tile tx="0" ty="0" sx="100000" sy="100000" flip="none" algn="tl"/>
+        </a:blipFill>
+        <a:effectLst/>
+      </p:bgPr>
+    </p:bg>
+    <p:spTree>
+      <p:nvGrpSpPr>
+        <p:cNvPr id="1" name=""/>
+        <p:cNvGrpSpPr/>
+        <p:nvPr/>
+      </p:nvGrpSpPr>
+      <p:grpSpPr>
+        <a:xfrm>
+          <a:off x="0" y="0"/>
+          <a:ext cx="0" cy="0"/>
+          <a:chOff x="0" y="0"/>
+          <a:chExt cx="0" cy="0"/>
+        </a:xfrm>
+      </p:grpSpPr>
+      <p:sp>
+        <p:nvSpPr>
+          <p:cNvPr id="4" name="文字方塊 3">
+            <a:extLst>
+              <a:ext uri="{FF2B5EF4-FFF2-40B4-BE49-F238E27FC236}">
+                <a16:creationId xmlns:a16="http://schemas.microsoft.com/office/drawing/2014/main" id="{46F869C5-E50C-496C-AD6E-62653B2A49D5}"/>
+              </a:ext>
+            </a:extLst>
+          </p:cNvPr>
+          <p:cNvSpPr txBox="1"/>
+          <p:nvPr/>
+        </p:nvSpPr>
+        <p:spPr>
+          <a:xfrm>
+            <a:off x="301336" y="436418"/>
+            <a:ext cx="5122719" cy="523220"/>
+          </a:xfrm>
+          <a:prstGeom prst="rect">
+            <a:avLst/>
+          </a:prstGeom>
+          <a:noFill/>
+        </p:spPr>
+        <p:txBody>
+          <a:bodyPr wrap="square" rtlCol="0">
+            <a:spAutoFit/>
+          </a:bodyPr>
+          <a:lstStyle/>
+          <a:p>
+            <a:pPr marL="0" marR="0" lvl="0" indent="0" algn="l" defTabSz="914400" rtl="0" eaLnBrk="1" fontAlgn="auto" latinLnBrk="0" hangingPunct="1">
+              <a:lnSpc>
+                <a:spcPct val="100000"/>
+              </a:lnSpc>
+              <a:spcBef>
+                <a:spcPts val="0"/>
+              </a:spcBef>
+              <a:spcAft>
+                <a:spcPts val="0"/>
+              </a:spcAft>
+              <a:buClrTx/>
+              <a:buSzTx/>
+              <a:buFontTx/>
+              <a:buNone/>
+              <a:tabLst/>
+              <a:defRPr/>
+            </a:pPr>
+            <a:r>
+              <a:rPr kumimoji="0" lang="en-US" altLang="zh-TW" sz="2800" b="0" i="0" u="none" strike="noStrike" kern="1200" cap="none" spc="0" normalizeH="0" baseline="0" noProof="0" dirty="0">
+                <a:ln>
+                  <a:noFill/>
+                </a:ln>
+                <a:solidFill>
+                  <a:prstClr val="black"/>
+                </a:solidFill>
+                <a:effectLst/>
+                <a:uLnTx/>
+                <a:uFillTx/>
+                <a:latin typeface="新細明體-ExtB" panose="02020500000000000000" pitchFamily="18" charset="-120"/>
+                <a:ea typeface="新細明體-ExtB" panose="02020500000000000000" pitchFamily="18" charset="-120"/>
+                <a:cs typeface="+mn-cs"/>
+              </a:rPr>
+              <a:t>2.</a:t>
+            </a:r>
+            <a:r>
+              <a:rPr kumimoji="0" lang="zh-TW" altLang="en-US" sz="2800" b="0" i="0" u="none" strike="noStrike" kern="1200" cap="none" spc="0" normalizeH="0" baseline="0" noProof="0" dirty="0">
+                <a:ln>
+                  <a:noFill/>
+                </a:ln>
+                <a:solidFill>
+                  <a:prstClr val="black"/>
+                </a:solidFill>
+                <a:effectLst/>
+                <a:uLnTx/>
+                <a:uFillTx/>
+                <a:latin typeface="新細明體-ExtB" panose="02020500000000000000" pitchFamily="18" charset="-120"/>
+                <a:ea typeface="新細明體-ExtB" panose="02020500000000000000" pitchFamily="18" charset="-120"/>
+                <a:cs typeface="+mn-cs"/>
+              </a:rPr>
+              <a:t>阻礙</a:t>
+            </a:r>
+          </a:p>
+        </p:txBody>
+      </p:sp>
+    </p:spTree>
+    <p:extLst>
+      <p:ext uri="{BB962C8B-B14F-4D97-AF65-F5344CB8AC3E}">
+        <p14:creationId xmlns:p14="http://schemas.microsoft.com/office/powerpoint/2010/main" val="171696705"/>
+      </p:ext>
+    </p:extLst>
+  </p:cSld>
+  <p:clrMapOvr>
+    <a:masterClrMapping/>
+  </p:clrMapOvr>
+</p:sld>
+</file>
+
+<file path=ppt/slides/slide4.xml><?xml version="1.0" encoding="utf-8"?>
+<p:sld xmlns:a="http://schemas.openxmlformats.org/drawingml/2006/main" xmlns:r="http://schemas.openxmlformats.org/officeDocument/2006/relationships" xmlns:p="http://schemas.openxmlformats.org/presentationml/2006/main">
+  <p:cSld>
+    <p:bg>
+      <p:bgPr>
+        <a:blipFill>
+          <a:blip r:embed="rId3"/>
+          <a:tile tx="0" ty="0" sx="100000" sy="100000" flip="none" algn="tl"/>
+        </a:blipFill>
+        <a:effectLst/>
+      </p:bgPr>
+    </p:bg>
+    <p:spTree>
+      <p:nvGrpSpPr>
+        <p:cNvPr id="1" name=""/>
+        <p:cNvGrpSpPr/>
+        <p:nvPr/>
+      </p:nvGrpSpPr>
+      <p:grpSpPr>
+        <a:xfrm>
+          <a:off x="0" y="0"/>
+          <a:ext cx="0" cy="0"/>
+          <a:chOff x="0" y="0"/>
+          <a:chExt cx="0" cy="0"/>
+        </a:xfrm>
+      </p:grpSpPr>
+      <p:sp>
+        <p:nvSpPr>
+          <p:cNvPr id="4" name="文字方塊 3">
+            <a:extLst>
+              <a:ext uri="{FF2B5EF4-FFF2-40B4-BE49-F238E27FC236}">
+                <a16:creationId xmlns:a16="http://schemas.microsoft.com/office/drawing/2014/main" id="{46F869C5-E50C-496C-AD6E-62653B2A49D5}"/>
+              </a:ext>
+            </a:extLst>
+          </p:cNvPr>
+          <p:cNvSpPr txBox="1"/>
+          <p:nvPr/>
+        </p:nvSpPr>
+        <p:spPr>
+          <a:xfrm>
+            <a:off x="301336" y="436418"/>
+            <a:ext cx="5122719" cy="523220"/>
+          </a:xfrm>
+          <a:prstGeom prst="rect">
+            <a:avLst/>
+          </a:prstGeom>
+          <a:noFill/>
+        </p:spPr>
+        <p:txBody>
+          <a:bodyPr wrap="square" rtlCol="0">
+            <a:spAutoFit/>
+          </a:bodyPr>
+          <a:lstStyle/>
+          <a:p>
+            <a:pPr marL="0" marR="0" lvl="0" indent="0" algn="l" defTabSz="914400" rtl="0" eaLnBrk="1" fontAlgn="auto" latinLnBrk="0" hangingPunct="1">
+              <a:lnSpc>
+                <a:spcPct val="100000"/>
+              </a:lnSpc>
+              <a:spcBef>
+                <a:spcPts val="0"/>
+              </a:spcBef>
+              <a:spcAft>
+                <a:spcPts val="0"/>
+              </a:spcAft>
+              <a:buClrTx/>
+              <a:buSzTx/>
+              <a:buFontTx/>
+              <a:buNone/>
+              <a:tabLst/>
+              <a:defRPr/>
+            </a:pPr>
+            <a:r>
+              <a:rPr kumimoji="0" lang="en-US" altLang="zh-TW" sz="2800" b="0" i="0" u="none" strike="noStrike" kern="1200" cap="none" spc="0" normalizeH="0" baseline="0" noProof="0" dirty="0">
+                <a:ln>
+                  <a:noFill/>
+                </a:ln>
+                <a:solidFill>
+                  <a:prstClr val="black"/>
+                </a:solidFill>
+                <a:effectLst/>
+                <a:uLnTx/>
+                <a:uFillTx/>
+                <a:latin typeface="新細明體-ExtB" panose="02020500000000000000" pitchFamily="18" charset="-120"/>
+                <a:ea typeface="新細明體-ExtB" panose="02020500000000000000" pitchFamily="18" charset="-120"/>
+                <a:cs typeface="+mn-cs"/>
+              </a:rPr>
+              <a:t>3.</a:t>
+            </a:r>
+            <a:r>
+              <a:rPr kumimoji="0" lang="zh-TW" altLang="en-US" sz="2800" b="0" i="0" u="none" strike="noStrike" kern="1200" cap="none" spc="0" normalizeH="0" baseline="0" noProof="0" dirty="0">
+                <a:ln>
+                  <a:noFill/>
+                </a:ln>
+                <a:solidFill>
+                  <a:prstClr val="black"/>
+                </a:solidFill>
+                <a:effectLst/>
+                <a:uLnTx/>
+                <a:uFillTx/>
+                <a:latin typeface="新細明體-ExtB" panose="02020500000000000000" pitchFamily="18" charset="-120"/>
+                <a:ea typeface="新細明體-ExtB" panose="02020500000000000000" pitchFamily="18" charset="-120"/>
+                <a:cs typeface="+mn-cs"/>
+              </a:rPr>
+              <a:t>努力</a:t>
+            </a:r>
+          </a:p>
+        </p:txBody>
+      </p:sp>
+    </p:spTree>
+    <p:extLst>
+      <p:ext uri="{BB962C8B-B14F-4D97-AF65-F5344CB8AC3E}">
+        <p14:creationId xmlns:p14="http://schemas.microsoft.com/office/powerpoint/2010/main" val="1079257797"/>
+      </p:ext>
+    </p:extLst>
+  </p:cSld>
+  <p:clrMapOvr>
+    <a:masterClrMapping/>
+  </p:clrMapOvr>
+</p:sld>
+</file>
+
+<file path=ppt/slides/slide5.xml><?xml version="1.0" encoding="utf-8"?>
+<p:sld xmlns:a="http://schemas.openxmlformats.org/drawingml/2006/main" xmlns:r="http://schemas.openxmlformats.org/officeDocument/2006/relationships" xmlns:p="http://schemas.openxmlformats.org/presentationml/2006/main">
+  <p:cSld>
+    <p:bg>
+      <p:bgPr>
+        <a:blipFill>
+          <a:blip r:embed="rId3"/>
+          <a:tile tx="0" ty="0" sx="100000" sy="100000" flip="none" algn="tl"/>
+        </a:blipFill>
+        <a:effectLst/>
+      </p:bgPr>
+    </p:bg>
+    <p:spTree>
+      <p:nvGrpSpPr>
+        <p:cNvPr id="1" name=""/>
+        <p:cNvGrpSpPr/>
+        <p:nvPr/>
+      </p:nvGrpSpPr>
+      <p:grpSpPr>
+        <a:xfrm>
+          <a:off x="0" y="0"/>
+          <a:ext cx="0" cy="0"/>
+          <a:chOff x="0" y="0"/>
+          <a:chExt cx="0" cy="0"/>
+        </a:xfrm>
+      </p:grpSpPr>
+      <p:sp>
+        <p:nvSpPr>
+          <p:cNvPr id="4" name="文字方塊 3">
+            <a:extLst>
+              <a:ext uri="{FF2B5EF4-FFF2-40B4-BE49-F238E27FC236}">
+                <a16:creationId xmlns:a16="http://schemas.microsoft.com/office/drawing/2014/main" id="{46F869C5-E50C-496C-AD6E-62653B2A49D5}"/>
+              </a:ext>
+            </a:extLst>
+          </p:cNvPr>
+          <p:cNvSpPr txBox="1"/>
+          <p:nvPr/>
+        </p:nvSpPr>
+        <p:spPr>
+          <a:xfrm>
+            <a:off x="301336" y="436418"/>
+            <a:ext cx="5122719" cy="523220"/>
+          </a:xfrm>
+          <a:prstGeom prst="rect">
+            <a:avLst/>
+          </a:prstGeom>
+          <a:noFill/>
+        </p:spPr>
+        <p:txBody>
+          <a:bodyPr wrap="square" rtlCol="0">
+            <a:spAutoFit/>
+          </a:bodyPr>
+          <a:lstStyle/>
+          <a:p>
+            <a:pPr marL="0" marR="0" lvl="0" indent="0" algn="l" defTabSz="914400" rtl="0" eaLnBrk="1" fontAlgn="auto" latinLnBrk="0" hangingPunct="1">
+              <a:lnSpc>
+                <a:spcPct val="100000"/>
+              </a:lnSpc>
+              <a:spcBef>
+                <a:spcPts val="0"/>
+              </a:spcBef>
+              <a:spcAft>
+                <a:spcPts val="0"/>
+              </a:spcAft>
+              <a:buClrTx/>
+              <a:buSzTx/>
+              <a:buFontTx/>
+              <a:buNone/>
+              <a:tabLst/>
+              <a:defRPr/>
+            </a:pPr>
+            <a:r>
+              <a:rPr kumimoji="0" lang="en-US" altLang="zh-TW" sz="2800" b="0" i="0" u="none" strike="noStrike" kern="1200" cap="none" spc="0" normalizeH="0" baseline="0" noProof="0" dirty="0">
+                <a:ln>
+                  <a:noFill/>
+                </a:ln>
+                <a:solidFill>
+                  <a:prstClr val="black"/>
+                </a:solidFill>
+                <a:effectLst/>
+                <a:uLnTx/>
+                <a:uFillTx/>
+                <a:latin typeface="新細明體-ExtB" panose="02020500000000000000" pitchFamily="18" charset="-120"/>
+                <a:ea typeface="新細明體-ExtB" panose="02020500000000000000" pitchFamily="18" charset="-120"/>
+                <a:cs typeface="+mn-cs"/>
+              </a:rPr>
+              <a:t>4.</a:t>
+            </a:r>
+            <a:r>
+              <a:rPr kumimoji="0" lang="zh-TW" altLang="en-US" sz="2800" b="0" i="0" u="none" strike="noStrike" kern="1200" cap="none" spc="0" normalizeH="0" baseline="0" noProof="0" dirty="0">
+                <a:ln>
+                  <a:noFill/>
+                </a:ln>
+                <a:solidFill>
+                  <a:prstClr val="black"/>
+                </a:solidFill>
+                <a:effectLst/>
+                <a:uLnTx/>
+                <a:uFillTx/>
+                <a:latin typeface="新細明體-ExtB" panose="02020500000000000000" pitchFamily="18" charset="-120"/>
+                <a:ea typeface="新細明體-ExtB" panose="02020500000000000000" pitchFamily="18" charset="-120"/>
+                <a:cs typeface="+mn-cs"/>
+              </a:rPr>
+              <a:t>結果</a:t>
+            </a:r>
+          </a:p>
+        </p:txBody>
+      </p:sp>
+    </p:spTree>
+    <p:extLst>
+      <p:ext uri="{BB962C8B-B14F-4D97-AF65-F5344CB8AC3E}">
+        <p14:creationId xmlns:p14="http://schemas.microsoft.com/office/powerpoint/2010/main" val="3687162761"/>
+      </p:ext>
+    </p:extLst>
+  </p:cSld>
+  <p:clrMapOvr>
+    <a:masterClrMapping/>
+  </p:clrMapOvr>
+</p:sld>
+</file>
+
+<file path=ppt/slides/slide6.xml><?xml version="1.0" encoding="utf-8"?>
+<p:sld xmlns:a="http://schemas.openxmlformats.org/drawingml/2006/main" xmlns:r="http://schemas.openxmlformats.org/officeDocument/2006/relationships" xmlns:p="http://schemas.openxmlformats.org/presentationml/2006/main">
+  <p:cSld>
+    <p:bg>
+      <p:bgPr>
+        <a:blipFill>
+          <a:blip r:embed="rId3"/>
+          <a:tile tx="0" ty="0" sx="100000" sy="100000" flip="none" algn="tl"/>
+        </a:blipFill>
+        <a:effectLst/>
+      </p:bgPr>
+    </p:bg>
+    <p:spTree>
+      <p:nvGrpSpPr>
+        <p:cNvPr id="1" name=""/>
+        <p:cNvGrpSpPr/>
+        <p:nvPr/>
+      </p:nvGrpSpPr>
+      <p:grpSpPr>
+        <a:xfrm>
+          <a:off x="0" y="0"/>
+          <a:ext cx="0" cy="0"/>
+          <a:chOff x="0" y="0"/>
+          <a:chExt cx="0" cy="0"/>
+        </a:xfrm>
+      </p:grpSpPr>
+      <p:sp>
+        <p:nvSpPr>
+          <p:cNvPr id="4" name="文字方塊 3">
+            <a:extLst>
+              <a:ext uri="{FF2B5EF4-FFF2-40B4-BE49-F238E27FC236}">
+                <a16:creationId xmlns:a16="http://schemas.microsoft.com/office/drawing/2014/main" id="{46F869C5-E50C-496C-AD6E-62653B2A49D5}"/>
+              </a:ext>
+            </a:extLst>
+          </p:cNvPr>
+          <p:cNvSpPr txBox="1"/>
+          <p:nvPr/>
+        </p:nvSpPr>
+        <p:spPr>
+          <a:xfrm>
+            <a:off x="301336" y="436418"/>
+            <a:ext cx="5122719" cy="523220"/>
+          </a:xfrm>
+          <a:prstGeom prst="rect">
+            <a:avLst/>
+          </a:prstGeom>
+          <a:noFill/>
+        </p:spPr>
+        <p:txBody>
+          <a:bodyPr wrap="square" rtlCol="0">
+            <a:spAutoFit/>
+          </a:bodyPr>
+          <a:lstStyle/>
+          <a:p>
+            <a:pPr marL="0" marR="0" lvl="0" indent="0" algn="l" defTabSz="914400" rtl="0" eaLnBrk="1" fontAlgn="auto" latinLnBrk="0" hangingPunct="1">
+              <a:lnSpc>
+                <a:spcPct val="100000"/>
+              </a:lnSpc>
+              <a:spcBef>
+                <a:spcPts val="0"/>
+              </a:spcBef>
+              <a:spcAft>
+                <a:spcPts val="0"/>
+              </a:spcAft>
+              <a:buClrTx/>
+              <a:buSzTx/>
+              <a:buFontTx/>
+              <a:buNone/>
+              <a:tabLst/>
+              <a:defRPr/>
+            </a:pPr>
+            <a:r>
+              <a:rPr kumimoji="0" lang="en-US" altLang="zh-TW" sz="2800" b="0" i="0" u="none" strike="noStrike" kern="1200" cap="none" spc="0" normalizeH="0" baseline="0" noProof="0" dirty="0">
+                <a:ln>
+                  <a:noFill/>
+                </a:ln>
+                <a:solidFill>
+                  <a:prstClr val="black"/>
+                </a:solidFill>
+                <a:effectLst/>
+                <a:uLnTx/>
+                <a:uFillTx/>
+                <a:latin typeface="新細明體-ExtB" panose="02020500000000000000" pitchFamily="18" charset="-120"/>
+                <a:ea typeface="新細明體-ExtB" panose="02020500000000000000" pitchFamily="18" charset="-120"/>
+                <a:cs typeface="+mn-cs"/>
+              </a:rPr>
+              <a:t>5.</a:t>
+            </a:r>
+            <a:r>
+              <a:rPr kumimoji="0" lang="zh-TW" altLang="en-US" sz="2800" b="0" i="0" u="none" strike="noStrike" kern="1200" cap="none" spc="0" normalizeH="0" baseline="0" noProof="0" dirty="0">
+                <a:ln>
+                  <a:noFill/>
+                </a:ln>
+                <a:solidFill>
+                  <a:prstClr val="black"/>
+                </a:solidFill>
+                <a:effectLst/>
+                <a:uLnTx/>
+                <a:uFillTx/>
+                <a:latin typeface="新細明體-ExtB" panose="02020500000000000000" pitchFamily="18" charset="-120"/>
+                <a:ea typeface="新細明體-ExtB" panose="02020500000000000000" pitchFamily="18" charset="-120"/>
+                <a:cs typeface="+mn-cs"/>
+              </a:rPr>
+              <a:t>意外</a:t>
+            </a:r>
+          </a:p>
+        </p:txBody>
+      </p:sp>
+    </p:spTree>
+    <p:extLst>
+      <p:ext uri="{BB962C8B-B14F-4D97-AF65-F5344CB8AC3E}">
+        <p14:creationId xmlns:p14="http://schemas.microsoft.com/office/powerpoint/2010/main" val="3940795390"/>
+      </p:ext>
+    </p:extLst>
+  </p:cSld>
+  <p:clrMapOvr>
+    <a:masterClrMapping/>
+  </p:clrMapOvr>
+</p:sld>
+</file>
+
+<file path=ppt/slides/slide7.xml><?xml version="1.0" encoding="utf-8"?>
+<p:sld xmlns:a="http://schemas.openxmlformats.org/drawingml/2006/main" xmlns:r="http://schemas.openxmlformats.org/officeDocument/2006/relationships" xmlns:p="http://schemas.openxmlformats.org/presentationml/2006/main">
+  <p:cSld>
+    <p:bg>
+      <p:bgPr>
+        <a:blipFill>
+          <a:blip r:embed="rId3"/>
+          <a:tile tx="0" ty="0" sx="100000" sy="100000" flip="none" algn="tl"/>
+        </a:blipFill>
+        <a:effectLst/>
+      </p:bgPr>
+    </p:bg>
+    <p:spTree>
+      <p:nvGrpSpPr>
+        <p:cNvPr id="1" name=""/>
+        <p:cNvGrpSpPr/>
+        <p:nvPr/>
+      </p:nvGrpSpPr>
+      <p:grpSpPr>
+        <a:xfrm>
+          <a:off x="0" y="0"/>
+          <a:ext cx="0" cy="0"/>
+          <a:chOff x="0" y="0"/>
+          <a:chExt cx="0" cy="0"/>
+        </a:xfrm>
+      </p:grpSpPr>
+      <p:sp>
+        <p:nvSpPr>
+          <p:cNvPr id="4" name="文字方塊 3">
+            <a:extLst>
+              <a:ext uri="{FF2B5EF4-FFF2-40B4-BE49-F238E27FC236}">
+                <a16:creationId xmlns:a16="http://schemas.microsoft.com/office/drawing/2014/main" id="{46F869C5-E50C-496C-AD6E-62653B2A49D5}"/>
+              </a:ext>
+            </a:extLst>
+          </p:cNvPr>
+          <p:cNvSpPr txBox="1"/>
+          <p:nvPr/>
+        </p:nvSpPr>
+        <p:spPr>
+          <a:xfrm>
+            <a:off x="301336" y="436418"/>
+            <a:ext cx="5122719" cy="523220"/>
+          </a:xfrm>
+          <a:prstGeom prst="rect">
+            <a:avLst/>
+          </a:prstGeom>
+          <a:noFill/>
+        </p:spPr>
+        <p:txBody>
+          <a:bodyPr wrap="square" rtlCol="0">
+            <a:spAutoFit/>
+          </a:bodyPr>
+          <a:lstStyle/>
+          <a:p>
+            <a:pPr marL="0" marR="0" lvl="0" indent="0" algn="l" defTabSz="914400" rtl="0" eaLnBrk="1" fontAlgn="auto" latinLnBrk="0" hangingPunct="1">
+              <a:lnSpc>
+                <a:spcPct val="100000"/>
+              </a:lnSpc>
+              <a:spcBef>
+                <a:spcPts val="0"/>
+              </a:spcBef>
+              <a:spcAft>
+                <a:spcPts val="0"/>
+              </a:spcAft>
+              <a:buClrTx/>
+              <a:buSzTx/>
+              <a:buFontTx/>
+              <a:buNone/>
+              <a:tabLst/>
+              <a:defRPr/>
+            </a:pPr>
+            <a:r>
+              <a:rPr kumimoji="0" lang="en-US" altLang="zh-TW" sz="2800" b="0" i="0" u="none" strike="noStrike" kern="1200" cap="none" spc="0" normalizeH="0" baseline="0" noProof="0" dirty="0">
+                <a:ln>
+                  <a:noFill/>
+                </a:ln>
+                <a:solidFill>
+                  <a:prstClr val="black"/>
+                </a:solidFill>
+                <a:effectLst/>
+                <a:uLnTx/>
+                <a:uFillTx/>
+                <a:latin typeface="新細明體-ExtB" panose="02020500000000000000" pitchFamily="18" charset="-120"/>
+                <a:ea typeface="新細明體-ExtB" panose="02020500000000000000" pitchFamily="18" charset="-120"/>
+                <a:cs typeface="+mn-cs"/>
+              </a:rPr>
+              <a:t>6.</a:t>
+            </a:r>
+            <a:r>
+              <a:rPr kumimoji="0" lang="zh-TW" altLang="en-US" sz="2800" b="0" i="0" u="none" strike="noStrike" kern="1200" cap="none" spc="0" normalizeH="0" baseline="0" noProof="0" dirty="0">
+                <a:ln>
+                  <a:noFill/>
+                </a:ln>
+                <a:solidFill>
+                  <a:prstClr val="black"/>
+                </a:solidFill>
+                <a:effectLst/>
+                <a:uLnTx/>
+                <a:uFillTx/>
+                <a:latin typeface="新細明體-ExtB" panose="02020500000000000000" pitchFamily="18" charset="-120"/>
+                <a:ea typeface="新細明體-ExtB" panose="02020500000000000000" pitchFamily="18" charset="-120"/>
+                <a:cs typeface="+mn-cs"/>
+              </a:rPr>
+              <a:t>轉彎</a:t>
+            </a:r>
+          </a:p>
+        </p:txBody>
+      </p:sp>
+    </p:spTree>
+    <p:extLst>
+      <p:ext uri="{BB962C8B-B14F-4D97-AF65-F5344CB8AC3E}">
+        <p14:creationId xmlns:p14="http://schemas.microsoft.com/office/powerpoint/2010/main" val="1640576947"/>
+      </p:ext>
+    </p:extLst>
+  </p:cSld>
+  <p:clrMapOvr>
+    <a:masterClrMapping/>
+  </p:clrMapOvr>
+</p:sld>
+</file>
+
+<file path=ppt/slides/slide8.xml><?xml version="1.0" encoding="utf-8"?>
+<p:sld xmlns:a="http://schemas.openxmlformats.org/drawingml/2006/main" xmlns:r="http://schemas.openxmlformats.org/officeDocument/2006/relationships" xmlns:p="http://schemas.openxmlformats.org/presentationml/2006/main">
+  <p:cSld>
+    <p:bg>
+      <p:bgPr>
+        <a:blipFill>
+          <a:blip r:embed="rId3"/>
+          <a:tile tx="0" ty="0" sx="100000" sy="100000" flip="none" algn="tl"/>
+        </a:blipFill>
+        <a:effectLst/>
+      </p:bgPr>
+    </p:bg>
+    <p:spTree>
+      <p:nvGrpSpPr>
+        <p:cNvPr id="1" name=""/>
+        <p:cNvGrpSpPr/>
+        <p:nvPr/>
+      </p:nvGrpSpPr>
+      <p:grpSpPr>
+        <a:xfrm>
+          <a:off x="0" y="0"/>
+          <a:ext cx="0" cy="0"/>
+          <a:chOff x="0" y="0"/>
+          <a:chExt cx="0" cy="0"/>
+        </a:xfrm>
+      </p:grpSpPr>
+      <p:sp>
+        <p:nvSpPr>
+          <p:cNvPr id="4" name="文字方塊 3">
+            <a:extLst>
+              <a:ext uri="{FF2B5EF4-FFF2-40B4-BE49-F238E27FC236}">
+                <a16:creationId xmlns:a16="http://schemas.microsoft.com/office/drawing/2014/main" id="{46F869C5-E50C-496C-AD6E-62653B2A49D5}"/>
+              </a:ext>
+            </a:extLst>
+          </p:cNvPr>
+          <p:cNvSpPr txBox="1"/>
+          <p:nvPr/>
+        </p:nvSpPr>
+        <p:spPr>
+          <a:xfrm>
+            <a:off x="301336" y="436418"/>
+            <a:ext cx="5122719" cy="523220"/>
+          </a:xfrm>
+          <a:prstGeom prst="rect">
+            <a:avLst/>
+          </a:prstGeom>
+          <a:noFill/>
+        </p:spPr>
+        <p:txBody>
+          <a:bodyPr wrap="square" rtlCol="0">
+            <a:spAutoFit/>
+          </a:bodyPr>
+          <a:lstStyle/>
+          <a:p>
+            <a:pPr marL="0" marR="0" lvl="0" indent="0" algn="l" defTabSz="914400" rtl="0" eaLnBrk="1" fontAlgn="auto" latinLnBrk="0" hangingPunct="1">
+              <a:lnSpc>
+                <a:spcPct val="100000"/>
+              </a:lnSpc>
+              <a:spcBef>
+                <a:spcPts val="0"/>
+              </a:spcBef>
+              <a:spcAft>
+                <a:spcPts val="0"/>
+              </a:spcAft>
+              <a:buClrTx/>
+              <a:buSzTx/>
+              <a:buFontTx/>
+              <a:buNone/>
+              <a:tabLst/>
+              <a:defRPr/>
+            </a:pPr>
+            <a:r>
+              <a:rPr kumimoji="0" lang="en-US" altLang="zh-TW" sz="2800" b="0" i="0" u="none" strike="noStrike" kern="1200" cap="none" spc="0" normalizeH="0" baseline="0" noProof="0" dirty="0">
+                <a:ln>
+                  <a:noFill/>
+                </a:ln>
+                <a:solidFill>
+                  <a:prstClr val="black"/>
+                </a:solidFill>
+                <a:effectLst/>
+                <a:uLnTx/>
+                <a:uFillTx/>
+                <a:latin typeface="新細明體-ExtB" panose="02020500000000000000" pitchFamily="18" charset="-120"/>
+                <a:ea typeface="新細明體-ExtB" panose="02020500000000000000" pitchFamily="18" charset="-120"/>
+                <a:cs typeface="+mn-cs"/>
+              </a:rPr>
+              <a:t>7.</a:t>
+            </a:r>
+            <a:r>
+              <a:rPr kumimoji="0" lang="zh-TW" altLang="en-US" sz="2800" b="0" i="0" u="none" strike="noStrike" kern="1200" cap="none" spc="0" normalizeH="0" baseline="0" noProof="0" dirty="0">
+                <a:ln>
+                  <a:noFill/>
+                </a:ln>
+                <a:solidFill>
+                  <a:prstClr val="black"/>
+                </a:solidFill>
+                <a:effectLst/>
+                <a:uLnTx/>
+                <a:uFillTx/>
+                <a:latin typeface="新細明體-ExtB" panose="02020500000000000000" pitchFamily="18" charset="-120"/>
+                <a:ea typeface="新細明體-ExtB" panose="02020500000000000000" pitchFamily="18" charset="-120"/>
+                <a:cs typeface="+mn-cs"/>
+              </a:rPr>
+              <a:t>結局</a:t>
+            </a:r>
+          </a:p>
+        </p:txBody>
+      </p:sp>
+    </p:spTree>
+    <p:extLst>
+      <p:ext uri="{BB962C8B-B14F-4D97-AF65-F5344CB8AC3E}">
+        <p14:creationId xmlns:p14="http://schemas.microsoft.com/office/powerpoint/2010/main" val="1220491331"/>
       </p:ext>
     </p:extLst>
   </p:cSld>
@@ -3677,4 +6004,299 @@
     </a:ext>
   </a:extLst>
 </a:theme>
+</file>
+
+<file path=ppt/theme/theme2.xml><?xml version="1.0" encoding="utf-8"?>
+<a:theme xmlns:a="http://schemas.openxmlformats.org/drawingml/2006/main" name="Office 佈景主題">
+  <a:themeElements>
+    <a:clrScheme name="Office">
+      <a:dk1>
+        <a:sysClr val="windowText" lastClr="000000"/>
+      </a:dk1>
+      <a:lt1>
+        <a:sysClr val="window" lastClr="FFFFFF"/>
+      </a:lt1>
+      <a:dk2>
+        <a:srgbClr val="44546A"/>
+      </a:dk2>
+      <a:lt2>
+        <a:srgbClr val="E7E6E6"/>
+      </a:lt2>
+      <a:accent1>
+        <a:srgbClr val="4472C4"/>
+      </a:accent1>
+      <a:accent2>
+        <a:srgbClr val="ED7D31"/>
+      </a:accent2>
+      <a:accent3>
+        <a:srgbClr val="A5A5A5"/>
+      </a:accent3>
+      <a:accent4>
+        <a:srgbClr val="FFC000"/>
+      </a:accent4>
+      <a:accent5>
+        <a:srgbClr val="5B9BD5"/>
+      </a:accent5>
+      <a:accent6>
+        <a:srgbClr val="70AD47"/>
+      </a:accent6>
+      <a:hlink>
+        <a:srgbClr val="0563C1"/>
+      </a:hlink>
+      <a:folHlink>
+        <a:srgbClr val="954F72"/>
+      </a:folHlink>
+    </a:clrScheme>
+    <a:fontScheme name="Office">
+      <a:majorFont>
+        <a:latin typeface="Calibri Light" panose="020F0302020204030204"/>
+        <a:ea typeface=""/>
+        <a:cs typeface=""/>
+        <a:font script="Jpan" typeface="游ゴシック Light"/>
+        <a:font script="Hang" typeface="맑은 고딕"/>
+        <a:font script="Hans" typeface="等线 Light"/>
+        <a:font script="Hant" typeface="新細明體"/>
+        <a:font script="Arab" typeface="Times New Roman"/>
+        <a:font script="Hebr" typeface="Times New Roman"/>
+        <a:font script="Thai" typeface="Angsana New"/>
+        <a:font script="Ethi" typeface="Nyala"/>
+        <a:font script="Beng" typeface="Vrinda"/>
+        <a:font script="Gujr" typeface="Shruti"/>
+        <a:font script="Khmr" typeface="MoolBoran"/>
+        <a:font script="Knda" typeface="Tunga"/>
+        <a:font script="Guru" typeface="Raavi"/>
+        <a:font script="Cans" typeface="Euphemia"/>
+        <a:font script="Cher" typeface="Plantagenet Cherokee"/>
+        <a:font script="Yiii" typeface="Microsoft Yi Baiti"/>
+        <a:font script="Tibt" typeface="Microsoft Himalaya"/>
+        <a:font script="Thaa" typeface="MV Boli"/>
+        <a:font script="Deva" typeface="Mangal"/>
+        <a:font script="Telu" typeface="Gautami"/>
+        <a:font script="Taml" typeface="Latha"/>
+        <a:font script="Syrc" typeface="Estrangelo Edessa"/>
+        <a:font script="Orya" typeface="Kalinga"/>
+        <a:font script="Mlym" typeface="Kartika"/>
+        <a:font script="Laoo" typeface="DokChampa"/>
+        <a:font script="Sinh" typeface="Iskoola Pota"/>
+        <a:font script="Mong" typeface="Mongolian Baiti"/>
+        <a:font script="Viet" typeface="Times New Roman"/>
+        <a:font script="Uigh" typeface="Microsoft Uighur"/>
+        <a:font script="Geor" typeface="Sylfaen"/>
+        <a:font script="Armn" typeface="Arial"/>
+        <a:font script="Bugi" typeface="Leelawadee UI"/>
+        <a:font script="Bopo" typeface="Microsoft JhengHei"/>
+        <a:font script="Java" typeface="Javanese Text"/>
+        <a:font script="Lisu" typeface="Segoe UI"/>
+        <a:font script="Mymr" typeface="Myanmar Text"/>
+        <a:font script="Nkoo" typeface="Ebrima"/>
+        <a:font script="Olck" typeface="Nirmala UI"/>
+        <a:font script="Osma" typeface="Ebrima"/>
+        <a:font script="Phag" typeface="Phagspa"/>
+        <a:font script="Syrn" typeface="Estrangelo Edessa"/>
+        <a:font script="Syrj" typeface="Estrangelo Edessa"/>
+        <a:font script="Syre" typeface="Estrangelo Edessa"/>
+        <a:font script="Sora" typeface="Nirmala UI"/>
+        <a:font script="Tale" typeface="Microsoft Tai Le"/>
+        <a:font script="Talu" typeface="Microsoft New Tai Lue"/>
+        <a:font script="Tfng" typeface="Ebrima"/>
+      </a:majorFont>
+      <a:minorFont>
+        <a:latin typeface="Calibri" panose="020F0502020204030204"/>
+        <a:ea typeface=""/>
+        <a:cs typeface=""/>
+        <a:font script="Jpan" typeface="游ゴシック"/>
+        <a:font script="Hang" typeface="맑은 고딕"/>
+        <a:font script="Hans" typeface="等线"/>
+        <a:font script="Hant" typeface="新細明體"/>
+        <a:font script="Arab" typeface="Arial"/>
+        <a:font script="Hebr" typeface="Arial"/>
+        <a:font script="Thai" typeface="Cordia New"/>
+        <a:font script="Ethi" typeface="Nyala"/>
+        <a:font script="Beng" typeface="Vrinda"/>
+        <a:font script="Gujr" typeface="Shruti"/>
+        <a:font script="Khmr" typeface="DaunPenh"/>
+        <a:font script="Knda" typeface="Tunga"/>
+        <a:font script="Guru" typeface="Raavi"/>
+        <a:font script="Cans" typeface="Euphemia"/>
+        <a:font script="Cher" typeface="Plantagenet Cherokee"/>
+        <a:font script="Yiii" typeface="Microsoft Yi Baiti"/>
+        <a:font script="Tibt" typeface="Microsoft Himalaya"/>
+        <a:font script="Thaa" typeface="MV Boli"/>
+        <a:font script="Deva" typeface="Mangal"/>
+        <a:font script="Telu" typeface="Gautami"/>
+        <a:font script="Taml" typeface="Latha"/>
+        <a:font script="Syrc" typeface="Estrangelo Edessa"/>
+        <a:font script="Orya" typeface="Kalinga"/>
+        <a:font script="Mlym" typeface="Kartika"/>
+        <a:font script="Laoo" typeface="DokChampa"/>
+        <a:font script="Sinh" typeface="Iskoola Pota"/>
+        <a:font script="Mong" typeface="Mongolian Baiti"/>
+        <a:font script="Viet" typeface="Arial"/>
+        <a:font script="Uigh" typeface="Microsoft Uighur"/>
+        <a:font script="Geor" typeface="Sylfaen"/>
+        <a:font script="Armn" typeface="Arial"/>
+        <a:font script="Bugi" typeface="Leelawadee UI"/>
+        <a:font script="Bopo" typeface="Microsoft JhengHei"/>
+        <a:font script="Java" typeface="Javanese Text"/>
+        <a:font script="Lisu" typeface="Segoe UI"/>
+        <a:font script="Mymr" typeface="Myanmar Text"/>
+        <a:font script="Nkoo" typeface="Ebrima"/>
+        <a:font script="Olck" typeface="Nirmala UI"/>
+        <a:font script="Osma" typeface="Ebrima"/>
+        <a:font script="Phag" typeface="Phagspa"/>
+        <a:font script="Syrn" typeface="Estrangelo Edessa"/>
+        <a:font script="Syrj" typeface="Estrangelo Edessa"/>
+        <a:font script="Syre" typeface="Estrangelo Edessa"/>
+        <a:font script="Sora" typeface="Nirmala UI"/>
+        <a:font script="Tale" typeface="Microsoft Tai Le"/>
+        <a:font script="Talu" typeface="Microsoft New Tai Lue"/>
+        <a:font script="Tfng" typeface="Ebrima"/>
+      </a:minorFont>
+    </a:fontScheme>
+    <a:fmtScheme name="Office">
+      <a:fillStyleLst>
+        <a:solidFill>
+          <a:schemeClr val="phClr"/>
+        </a:solidFill>
+        <a:gradFill rotWithShape="1">
+          <a:gsLst>
+            <a:gs pos="0">
+              <a:schemeClr val="phClr">
+                <a:lumMod val="110000"/>
+                <a:satMod val="105000"/>
+                <a:tint val="67000"/>
+              </a:schemeClr>
+            </a:gs>
+            <a:gs pos="50000">
+              <a:schemeClr val="phClr">
+                <a:lumMod val="105000"/>
+                <a:satMod val="103000"/>
+                <a:tint val="73000"/>
+              </a:schemeClr>
+            </a:gs>
+            <a:gs pos="100000">
+              <a:schemeClr val="phClr">
+                <a:lumMod val="105000"/>
+                <a:satMod val="109000"/>
+                <a:tint val="81000"/>
+              </a:schemeClr>
+            </a:gs>
+          </a:gsLst>
+          <a:lin ang="5400000" scaled="0"/>
+        </a:gradFill>
+        <a:gradFill rotWithShape="1">
+          <a:gsLst>
+            <a:gs pos="0">
+              <a:schemeClr val="phClr">
+                <a:satMod val="103000"/>
+                <a:lumMod val="102000"/>
+                <a:tint val="94000"/>
+              </a:schemeClr>
+            </a:gs>
+            <a:gs pos="50000">
+              <a:schemeClr val="phClr">
+                <a:satMod val="110000"/>
+                <a:lumMod val="100000"/>
+                <a:shade val="100000"/>
+              </a:schemeClr>
+            </a:gs>
+            <a:gs pos="100000">
+              <a:schemeClr val="phClr">
+                <a:lumMod val="99000"/>
+                <a:satMod val="120000"/>
+                <a:shade val="78000"/>
+              </a:schemeClr>
+            </a:gs>
+          </a:gsLst>
+          <a:lin ang="5400000" scaled="0"/>
+        </a:gradFill>
+      </a:fillStyleLst>
+      <a:lnStyleLst>
+        <a:ln w="6350" cap="flat" cmpd="sng" algn="ctr">
+          <a:solidFill>
+            <a:schemeClr val="phClr"/>
+          </a:solidFill>
+          <a:prstDash val="solid"/>
+          <a:miter lim="800000"/>
+        </a:ln>
+        <a:ln w="12700" cap="flat" cmpd="sng" algn="ctr">
+          <a:solidFill>
+            <a:schemeClr val="phClr"/>
+          </a:solidFill>
+          <a:prstDash val="solid"/>
+          <a:miter lim="800000"/>
+        </a:ln>
+        <a:ln w="19050" cap="flat" cmpd="sng" algn="ctr">
+          <a:solidFill>
+            <a:schemeClr val="phClr"/>
+          </a:solidFill>
+          <a:prstDash val="solid"/>
+          <a:miter lim="800000"/>
+        </a:ln>
+      </a:lnStyleLst>
+      <a:effectStyleLst>
+        <a:effectStyle>
+          <a:effectLst/>
+        </a:effectStyle>
+        <a:effectStyle>
+          <a:effectLst/>
+        </a:effectStyle>
+        <a:effectStyle>
+          <a:effectLst>
+            <a:outerShdw blurRad="57150" dist="19050" dir="5400000" algn="ctr" rotWithShape="0">
+              <a:srgbClr val="000000">
+                <a:alpha val="63000"/>
+              </a:srgbClr>
+            </a:outerShdw>
+          </a:effectLst>
+        </a:effectStyle>
+      </a:effectStyleLst>
+      <a:bgFillStyleLst>
+        <a:solidFill>
+          <a:schemeClr val="phClr"/>
+        </a:solidFill>
+        <a:solidFill>
+          <a:schemeClr val="phClr">
+            <a:tint val="95000"/>
+            <a:satMod val="170000"/>
+          </a:schemeClr>
+        </a:solidFill>
+        <a:gradFill rotWithShape="1">
+          <a:gsLst>
+            <a:gs pos="0">
+              <a:schemeClr val="phClr">
+                <a:tint val="93000"/>
+                <a:satMod val="150000"/>
+                <a:shade val="98000"/>
+                <a:lumMod val="102000"/>
+              </a:schemeClr>
+            </a:gs>
+            <a:gs pos="50000">
+              <a:schemeClr val="phClr">
+                <a:tint val="98000"/>
+                <a:satMod val="130000"/>
+                <a:shade val="90000"/>
+                <a:lumMod val="103000"/>
+              </a:schemeClr>
+            </a:gs>
+            <a:gs pos="100000">
+              <a:schemeClr val="phClr">
+                <a:shade val="63000"/>
+                <a:satMod val="120000"/>
+              </a:schemeClr>
+            </a:gs>
+          </a:gsLst>
+          <a:lin ang="5400000" scaled="0"/>
+        </a:gradFill>
+      </a:bgFillStyleLst>
+    </a:fmtScheme>
+  </a:themeElements>
+  <a:objectDefaults/>
+  <a:extraClrSchemeLst/>
+  <a:extLst>
+    <a:ext uri="{05A4C25C-085E-4340-85A3-A5531E510DB2}">
+      <thm15:themeFamily xmlns:thm15="http://schemas.microsoft.com/office/thememl/2012/main" name="Office Theme" id="{62F939B6-93AF-4DB8-9C6B-D6C7DFDC589F}" vid="{4A3C46E8-61CC-4603-A589-7422A47A8E4A}"/>
+    </a:ext>
+  </a:extLst>
+</a:theme>
 </file>
--- a/hw02.pptx
+++ b/hw02.pptx
@@ -204,7 +204,7 @@
           <a:p>
             <a:fld id="{69D62639-03B6-4681-97A0-BD76DD2344A1}" type="datetimeFigureOut">
               <a:rPr lang="zh-TW" altLang="en-US" smtClean="0"/>
-              <a:t>2024/10/16</a:t>
+              <a:t>2024/10/17</a:t>
             </a:fld>
             <a:endParaRPr lang="zh-TW" altLang="en-US"/>
           </a:p>
@@ -515,7 +515,81 @@
           <a:bodyPr/>
           <a:lstStyle/>
           <a:p>
+            <a:r>
+              <a:rPr lang="zh-TW" altLang="en-US" dirty="0"/>
+              <a:t>背景為我的目標是開發一套基於</a:t>
+            </a:r>
+            <a:r>
+              <a:rPr lang="en-US" altLang="zh-TW" dirty="0"/>
+              <a:t>AI</a:t>
+            </a:r>
+            <a:r>
+              <a:rPr lang="zh-TW" altLang="en-US" dirty="0"/>
+              <a:t>的創新模型，能夠學習並模擬人類的決策過程，讓機器能像人一樣進行複雜的思考。我希望藉由這項技術，為醫療、教育等領域帶</a:t>
+            </a:r>
+          </a:p>
+          <a:p>
+            <a:r>
+              <a:rPr lang="zh-TW" altLang="en-US" dirty="0"/>
+              <a:t>來重大改變，最終創造出一個能幫助人類解決複雜問題的</a:t>
+            </a:r>
+            <a:r>
+              <a:rPr lang="en-US" altLang="zh-TW" dirty="0"/>
+              <a:t>AI</a:t>
+            </a:r>
+            <a:r>
+              <a:rPr lang="zh-TW" altLang="en-US" dirty="0"/>
+              <a:t>平台。請加上一些數學</a:t>
+            </a:r>
+            <a:r>
+              <a:rPr lang="en-US" altLang="zh-TW" dirty="0"/>
+              <a:t>model</a:t>
+            </a:r>
+            <a:r>
+              <a:rPr lang="zh-TW" altLang="en-US" dirty="0"/>
+              <a:t>或程式碼在背景</a:t>
+            </a:r>
+          </a:p>
+          <a:p>
             <a:endParaRPr lang="zh-TW" altLang="en-US" dirty="0"/>
+          </a:p>
+          <a:p>
+            <a:r>
+              <a:rPr lang="zh-TW" altLang="en-US" dirty="0"/>
+              <a:t>髮色與髮型：這個人物有著藍色的短髮，頭髮鬆散但稍微向上翹，營造出年輕、活潑的感覺。髮型屬於比較常見的短髮造型，顯得清爽。</a:t>
+            </a:r>
+          </a:p>
+          <a:p>
+            <a:endParaRPr lang="zh-TW" altLang="en-US" dirty="0"/>
+          </a:p>
+          <a:p>
+            <a:r>
+              <a:rPr lang="zh-TW" altLang="en-US" dirty="0"/>
+              <a:t>面部特徵：面部輪廓較為簡單，皮膚顏色偏白。人物的眼睛大而圓，瞳孔呈現出褐色，表情比較中立，顯得溫和無害。</a:t>
+            </a:r>
+          </a:p>
+          <a:p>
+            <a:endParaRPr lang="zh-TW" altLang="en-US" dirty="0"/>
+          </a:p>
+          <a:p>
+            <a:r>
+              <a:rPr lang="zh-TW" altLang="en-US" dirty="0"/>
+              <a:t>服裝：他穿著一件灰色的外套，內搭白襯衫，並打了一條紫色條紋的領帶，服裝搭配典雅，給人一種學生或年輕專業人士的感覺。</a:t>
+            </a:r>
+          </a:p>
+          <a:p>
+            <a:r>
+              <a:rPr lang="zh-TW" altLang="en-US" dirty="0"/>
+              <a:t>請以</a:t>
+            </a:r>
+            <a:r>
+              <a:rPr lang="en-US" altLang="zh-TW" dirty="0"/>
+              <a:t>Booth</a:t>
+            </a:r>
+            <a:r>
+              <a:rPr lang="zh-TW" altLang="en-US" dirty="0"/>
+              <a:t>的畫風一致</a:t>
+            </a:r>
           </a:p>
         </p:txBody>
       </p:sp>
@@ -659,6 +733,72 @@
           <a:bodyPr/>
           <a:lstStyle/>
           <a:p>
+            <a:r>
+              <a:rPr lang="zh-TW" altLang="en-US" dirty="0"/>
+              <a:t>在技術開發的過程中，困難接踵而至，尤其在</a:t>
+            </a:r>
+            <a:r>
+              <a:rPr lang="en-US" altLang="zh-TW" dirty="0"/>
+              <a:t>AI</a:t>
+            </a:r>
+            <a:r>
+              <a:rPr lang="zh-TW" altLang="en-US" dirty="0"/>
+              <a:t>模型的訓練與優化階段。數據不夠完善，模型表現不穩定，這導致結果經常不夠準確。這些失敗時刻讓我感到沮喪，甚至一度懷疑是否應該繼續下去在背景</a:t>
+            </a:r>
+          </a:p>
+          <a:p>
+            <a:endParaRPr lang="zh-TW" altLang="en-US" dirty="0"/>
+          </a:p>
+          <a:p>
+            <a:r>
+              <a:rPr lang="zh-TW" altLang="en-US" dirty="0"/>
+              <a:t>髮色與髮型：這個人物有著藍色的短髮，頭髮鬆散但稍微向上翹，營造出年輕、活潑的感覺。髮型屬於比較常見的短髮造型，顯得清爽。</a:t>
+            </a:r>
+          </a:p>
+          <a:p>
+            <a:endParaRPr lang="zh-TW" altLang="en-US" dirty="0"/>
+          </a:p>
+          <a:p>
+            <a:r>
+              <a:rPr lang="zh-TW" altLang="en-US" dirty="0"/>
+              <a:t>面部特徵：面部輪廓較為簡單，皮膚顏色偏白。人物的眼睛大而圓，瞳孔呈現出褐色，表情比較中立，顯得溫和無害。</a:t>
+            </a:r>
+          </a:p>
+          <a:p>
+            <a:endParaRPr lang="zh-TW" altLang="en-US" dirty="0"/>
+          </a:p>
+          <a:p>
+            <a:r>
+              <a:rPr lang="zh-TW" altLang="en-US" dirty="0"/>
+              <a:t>服裝：他穿著一件灰色的外套，內搭白襯衫，並打了一條紫色條紋的領帶，服裝搭配典雅，給人一種學生或年輕專業人士的感覺。</a:t>
+            </a:r>
+          </a:p>
+          <a:p>
+            <a:r>
+              <a:rPr lang="zh-TW" altLang="en-US" dirty="0"/>
+              <a:t>請以</a:t>
+            </a:r>
+            <a:r>
+              <a:rPr lang="en-US" altLang="zh-TW" dirty="0"/>
+              <a:t>Booth</a:t>
+            </a:r>
+            <a:r>
+              <a:rPr lang="zh-TW" altLang="en-US" dirty="0"/>
+              <a:t>的畫風一致</a:t>
+            </a:r>
+          </a:p>
+          <a:p>
+            <a:endParaRPr lang="en-US" altLang="zh-TW" dirty="0"/>
+          </a:p>
+          <a:p>
+            <a:r>
+              <a:rPr lang="zh-TW" altLang="en-US" dirty="0"/>
+              <a:t>臉型偏向日本漫畫風格的</a:t>
+            </a:r>
+            <a:r>
+              <a:rPr lang="en-US" altLang="zh-TW" dirty="0"/>
+              <a:t>booth</a:t>
+            </a:r>
             <a:endParaRPr lang="zh-TW" altLang="en-US" dirty="0"/>
           </a:p>
         </p:txBody>
@@ -803,6 +943,64 @@
           <a:bodyPr/>
           <a:lstStyle/>
           <a:p>
+            <a:r>
+              <a:rPr lang="zh-TW" altLang="en-US" dirty="0"/>
+              <a:t>但每次遇到困難，我都提醒自己這是冒險的一部分。我開始優化數據集、調整模型架構，並研究成功案例中的關鍵技巧。每次的挫折都成為我的動力，最終我克服了技術難題，成功解決了模型訓練的主要問題為背景。</a:t>
+            </a:r>
+          </a:p>
+          <a:p>
+            <a:endParaRPr lang="zh-TW" altLang="en-US" dirty="0"/>
+          </a:p>
+          <a:p>
+            <a:r>
+              <a:rPr lang="zh-TW" altLang="en-US" dirty="0"/>
+              <a:t>髮色與髮型：這個人物有著藍色的短髮，頭髮鬆散但稍微向上翹，營造出年輕、活潑的感覺。髮型屬於比較常見的短髮造型，顯得清爽。</a:t>
+            </a:r>
+          </a:p>
+          <a:p>
+            <a:endParaRPr lang="zh-TW" altLang="en-US" dirty="0"/>
+          </a:p>
+          <a:p>
+            <a:r>
+              <a:rPr lang="zh-TW" altLang="en-US" dirty="0"/>
+              <a:t>面部特徵：面部輪廓較為簡單，皮膚顏色偏白。人物的眼睛大而圓，瞳孔呈現出褐色，表情比較中立，顯得溫和無害。</a:t>
+            </a:r>
+          </a:p>
+          <a:p>
+            <a:endParaRPr lang="zh-TW" altLang="en-US" dirty="0"/>
+          </a:p>
+          <a:p>
+            <a:r>
+              <a:rPr lang="zh-TW" altLang="en-US" dirty="0"/>
+              <a:t>服裝：他穿著一件灰色的外套，內搭白襯衫，並打了一條紫色條紋的領帶，服裝搭配典雅，給人一種學生或年輕專業人士的感覺。</a:t>
+            </a:r>
+          </a:p>
+          <a:p>
+            <a:r>
+              <a:rPr lang="zh-TW" altLang="en-US" dirty="0"/>
+              <a:t>請以</a:t>
+            </a:r>
+            <a:r>
+              <a:rPr lang="en-US" altLang="zh-TW" dirty="0"/>
+              <a:t>Booth</a:t>
+            </a:r>
+            <a:r>
+              <a:rPr lang="zh-TW" altLang="en-US" dirty="0"/>
+              <a:t>的畫風一致</a:t>
+            </a:r>
+          </a:p>
+          <a:p>
+            <a:endParaRPr lang="zh-TW" altLang="en-US" dirty="0"/>
+          </a:p>
+          <a:p>
+            <a:r>
+              <a:rPr lang="zh-TW" altLang="en-US" dirty="0"/>
+              <a:t>臉型偏向日本漫畫風格的</a:t>
+            </a:r>
+            <a:r>
+              <a:rPr lang="en-US" altLang="zh-TW" dirty="0"/>
+              <a:t>booth</a:t>
+            </a:r>
             <a:endParaRPr lang="zh-TW" altLang="en-US" dirty="0"/>
           </a:p>
         </p:txBody>
@@ -1626,7 +1824,7 @@
           <a:p>
             <a:fld id="{C3C90D7E-32D6-4894-AE08-7BBB3E610FC9}" type="datetimeFigureOut">
               <a:rPr lang="zh-TW" altLang="en-US" smtClean="0"/>
-              <a:t>2024/10/16</a:t>
+              <a:t>2024/10/17</a:t>
             </a:fld>
             <a:endParaRPr lang="zh-TW" altLang="en-US"/>
           </a:p>
@@ -1824,7 +2022,7 @@
           <a:p>
             <a:fld id="{C3C90D7E-32D6-4894-AE08-7BBB3E610FC9}" type="datetimeFigureOut">
               <a:rPr lang="zh-TW" altLang="en-US" smtClean="0"/>
-              <a:t>2024/10/16</a:t>
+              <a:t>2024/10/17</a:t>
             </a:fld>
             <a:endParaRPr lang="zh-TW" altLang="en-US"/>
           </a:p>
@@ -2032,7 +2230,7 @@
           <a:p>
             <a:fld id="{C3C90D7E-32D6-4894-AE08-7BBB3E610FC9}" type="datetimeFigureOut">
               <a:rPr lang="zh-TW" altLang="en-US" smtClean="0"/>
-              <a:t>2024/10/16</a:t>
+              <a:t>2024/10/17</a:t>
             </a:fld>
             <a:endParaRPr lang="zh-TW" altLang="en-US"/>
           </a:p>
@@ -2230,7 +2428,7 @@
           <a:p>
             <a:fld id="{C3C90D7E-32D6-4894-AE08-7BBB3E610FC9}" type="datetimeFigureOut">
               <a:rPr lang="zh-TW" altLang="en-US" smtClean="0"/>
-              <a:t>2024/10/16</a:t>
+              <a:t>2024/10/17</a:t>
             </a:fld>
             <a:endParaRPr lang="zh-TW" altLang="en-US"/>
           </a:p>
@@ -2505,7 +2703,7 @@
           <a:p>
             <a:fld id="{C3C90D7E-32D6-4894-AE08-7BBB3E610FC9}" type="datetimeFigureOut">
               <a:rPr lang="zh-TW" altLang="en-US" smtClean="0"/>
-              <a:t>2024/10/16</a:t>
+              <a:t>2024/10/17</a:t>
             </a:fld>
             <a:endParaRPr lang="zh-TW" altLang="en-US"/>
           </a:p>
@@ -2770,7 +2968,7 @@
           <a:p>
             <a:fld id="{C3C90D7E-32D6-4894-AE08-7BBB3E610FC9}" type="datetimeFigureOut">
               <a:rPr lang="zh-TW" altLang="en-US" smtClean="0"/>
-              <a:t>2024/10/16</a:t>
+              <a:t>2024/10/17</a:t>
             </a:fld>
             <a:endParaRPr lang="zh-TW" altLang="en-US"/>
           </a:p>
@@ -3182,7 +3380,7 @@
           <a:p>
             <a:fld id="{C3C90D7E-32D6-4894-AE08-7BBB3E610FC9}" type="datetimeFigureOut">
               <a:rPr lang="zh-TW" altLang="en-US" smtClean="0"/>
-              <a:t>2024/10/16</a:t>
+              <a:t>2024/10/17</a:t>
             </a:fld>
             <a:endParaRPr lang="zh-TW" altLang="en-US"/>
           </a:p>
@@ -3323,7 +3521,7 @@
           <a:p>
             <a:fld id="{C3C90D7E-32D6-4894-AE08-7BBB3E610FC9}" type="datetimeFigureOut">
               <a:rPr lang="zh-TW" altLang="en-US" smtClean="0"/>
-              <a:t>2024/10/16</a:t>
+              <a:t>2024/10/17</a:t>
             </a:fld>
             <a:endParaRPr lang="zh-TW" altLang="en-US"/>
           </a:p>
@@ -3436,7 +3634,7 @@
           <a:p>
             <a:fld id="{C3C90D7E-32D6-4894-AE08-7BBB3E610FC9}" type="datetimeFigureOut">
               <a:rPr lang="zh-TW" altLang="en-US" smtClean="0"/>
-              <a:t>2024/10/16</a:t>
+              <a:t>2024/10/17</a:t>
             </a:fld>
             <a:endParaRPr lang="zh-TW" altLang="en-US"/>
           </a:p>
@@ -3747,7 +3945,7 @@
           <a:p>
             <a:fld id="{C3C90D7E-32D6-4894-AE08-7BBB3E610FC9}" type="datetimeFigureOut">
               <a:rPr lang="zh-TW" altLang="en-US" smtClean="0"/>
-              <a:t>2024/10/16</a:t>
+              <a:t>2024/10/17</a:t>
             </a:fld>
             <a:endParaRPr lang="zh-TW" altLang="en-US"/>
           </a:p>
@@ -4035,7 +4233,7 @@
           <a:p>
             <a:fld id="{C3C90D7E-32D6-4894-AE08-7BBB3E610FC9}" type="datetimeFigureOut">
               <a:rPr lang="zh-TW" altLang="en-US" smtClean="0"/>
-              <a:t>2024/10/16</a:t>
+              <a:t>2024/10/17</a:t>
             </a:fld>
             <a:endParaRPr lang="zh-TW" altLang="en-US"/>
           </a:p>
@@ -4276,7 +4474,7 @@
           <a:p>
             <a:fld id="{C3C90D7E-32D6-4894-AE08-7BBB3E610FC9}" type="datetimeFigureOut">
               <a:rPr lang="zh-TW" altLang="en-US" smtClean="0"/>
-              <a:t>2024/10/16</a:t>
+              <a:t>2024/10/17</a:t>
             </a:fld>
             <a:endParaRPr lang="zh-TW" altLang="en-US"/>
           </a:p>
@@ -4972,6 +5170,42 @@
           </a:p>
         </p:txBody>
       </p:sp>
+      <p:pic>
+        <p:nvPicPr>
+          <p:cNvPr id="3" name="圖片 2">
+            <a:extLst>
+              <a:ext uri="{FF2B5EF4-FFF2-40B4-BE49-F238E27FC236}">
+                <a16:creationId xmlns:a16="http://schemas.microsoft.com/office/drawing/2014/main" id="{8501AA7E-F459-4A67-BF46-4C2D8E044D7D}"/>
+              </a:ext>
+            </a:extLst>
+          </p:cNvPr>
+          <p:cNvPicPr>
+            <a:picLocks noChangeAspect="1"/>
+          </p:cNvPicPr>
+          <p:nvPr/>
+        </p:nvPicPr>
+        <p:blipFill>
+          <a:blip r:embed="rId4">
+            <a:extLst>
+              <a:ext uri="{28A0092B-C50C-407E-A947-70E740481C1C}">
+                <a14:useLocalDpi xmlns:a14="http://schemas.microsoft.com/office/drawing/2010/main" val="0"/>
+              </a:ext>
+            </a:extLst>
+          </a:blip>
+          <a:stretch>
+            <a:fillRect/>
+          </a:stretch>
+        </p:blipFill>
+        <p:spPr>
+          <a:xfrm>
+            <a:off x="301336" y="959638"/>
+            <a:ext cx="5794664" cy="5794664"/>
+          </a:xfrm>
+          <a:prstGeom prst="rect">
+            <a:avLst/>
+          </a:prstGeom>
+        </p:spPr>
+      </p:pic>
     </p:spTree>
     <p:extLst>
       <p:ext uri="{BB962C8B-B14F-4D97-AF65-F5344CB8AC3E}">
@@ -4982,6 +5216,18 @@
   <p:clrMapOvr>
     <a:masterClrMapping/>
   </p:clrMapOvr>
+  <mc:AlternateContent xmlns:mc="http://schemas.openxmlformats.org/markup-compatibility/2006">
+    <mc:Choice xmlns:p159="http://schemas.microsoft.com/office/powerpoint/2015/09/main" Requires="p159">
+      <p:transition xmlns:p14="http://schemas.microsoft.com/office/powerpoint/2010/main" spd="slow" p14:dur="2000">
+        <p159:morph option="byObject"/>
+      </p:transition>
+    </mc:Choice>
+    <mc:Fallback>
+      <p:transition spd="slow">
+        <p:fade/>
+      </p:transition>
+    </mc:Fallback>
+  </mc:AlternateContent>
 </p:sld>
 </file>
 
@@ -5093,6 +5339,42 @@
           </a:p>
         </p:txBody>
       </p:sp>
+      <p:pic>
+        <p:nvPicPr>
+          <p:cNvPr id="3" name="圖片 2">
+            <a:extLst>
+              <a:ext uri="{FF2B5EF4-FFF2-40B4-BE49-F238E27FC236}">
+                <a16:creationId xmlns:a16="http://schemas.microsoft.com/office/drawing/2014/main" id="{F0CDAED7-4242-49DF-A290-8CE1F135D0B6}"/>
+              </a:ext>
+            </a:extLst>
+          </p:cNvPr>
+          <p:cNvPicPr>
+            <a:picLocks noChangeAspect="1"/>
+          </p:cNvPicPr>
+          <p:nvPr/>
+        </p:nvPicPr>
+        <p:blipFill>
+          <a:blip r:embed="rId4">
+            <a:extLst>
+              <a:ext uri="{28A0092B-C50C-407E-A947-70E740481C1C}">
+                <a14:useLocalDpi xmlns:a14="http://schemas.microsoft.com/office/drawing/2010/main" val="0"/>
+              </a:ext>
+            </a:extLst>
+          </a:blip>
+          <a:stretch>
+            <a:fillRect/>
+          </a:stretch>
+        </p:blipFill>
+        <p:spPr>
+          <a:xfrm>
+            <a:off x="301336" y="990117"/>
+            <a:ext cx="5665864" cy="5665864"/>
+          </a:xfrm>
+          <a:prstGeom prst="rect">
+            <a:avLst/>
+          </a:prstGeom>
+        </p:spPr>
+      </p:pic>
     </p:spTree>
     <p:extLst>
       <p:ext uri="{BB962C8B-B14F-4D97-AF65-F5344CB8AC3E}">
@@ -5103,6 +5385,18 @@
   <p:clrMapOvr>
     <a:masterClrMapping/>
   </p:clrMapOvr>
+  <mc:AlternateContent xmlns:mc="http://schemas.openxmlformats.org/markup-compatibility/2006">
+    <mc:Choice xmlns:p159="http://schemas.microsoft.com/office/powerpoint/2015/09/main" Requires="p159">
+      <p:transition xmlns:p14="http://schemas.microsoft.com/office/powerpoint/2010/main" spd="slow" p14:dur="2000">
+        <p159:morph option="byObject"/>
+      </p:transition>
+    </mc:Choice>
+    <mc:Fallback>
+      <p:transition spd="slow">
+        <p:fade/>
+      </p:transition>
+    </mc:Fallback>
+  </mc:AlternateContent>
 </p:sld>
 </file>
 
@@ -5214,6 +5508,42 @@
           </a:p>
         </p:txBody>
       </p:sp>
+      <p:pic>
+        <p:nvPicPr>
+          <p:cNvPr id="3" name="圖片 2">
+            <a:extLst>
+              <a:ext uri="{FF2B5EF4-FFF2-40B4-BE49-F238E27FC236}">
+                <a16:creationId xmlns:a16="http://schemas.microsoft.com/office/drawing/2014/main" id="{427B94E2-724A-4FEF-A753-CAF30729A303}"/>
+              </a:ext>
+            </a:extLst>
+          </p:cNvPr>
+          <p:cNvPicPr>
+            <a:picLocks noChangeAspect="1"/>
+          </p:cNvPicPr>
+          <p:nvPr/>
+        </p:nvPicPr>
+        <p:blipFill>
+          <a:blip r:embed="rId4">
+            <a:extLst>
+              <a:ext uri="{28A0092B-C50C-407E-A947-70E740481C1C}">
+                <a14:useLocalDpi xmlns:a14="http://schemas.microsoft.com/office/drawing/2010/main" val="0"/>
+              </a:ext>
+            </a:extLst>
+          </a:blip>
+          <a:stretch>
+            <a:fillRect/>
+          </a:stretch>
+        </p:blipFill>
+        <p:spPr>
+          <a:xfrm>
+            <a:off x="303028" y="959638"/>
+            <a:ext cx="5792972" cy="5792972"/>
+          </a:xfrm>
+          <a:prstGeom prst="rect">
+            <a:avLst/>
+          </a:prstGeom>
+        </p:spPr>
+      </p:pic>
     </p:spTree>
     <p:extLst>
       <p:ext uri="{BB962C8B-B14F-4D97-AF65-F5344CB8AC3E}">
@@ -5224,6 +5554,18 @@
   <p:clrMapOvr>
     <a:masterClrMapping/>
   </p:clrMapOvr>
+  <mc:AlternateContent xmlns:mc="http://schemas.openxmlformats.org/markup-compatibility/2006">
+    <mc:Choice xmlns:p159="http://schemas.microsoft.com/office/powerpoint/2015/09/main" Requires="p159">
+      <p:transition xmlns:p14="http://schemas.microsoft.com/office/powerpoint/2010/main" spd="slow" p14:dur="2000">
+        <p159:morph option="byObject"/>
+      </p:transition>
+    </mc:Choice>
+    <mc:Fallback>
+      <p:transition spd="slow">
+        <p:fade/>
+      </p:transition>
+    </mc:Fallback>
+  </mc:AlternateContent>
 </p:sld>
 </file>
 

--- a/hw02.pptx
+++ b/hw02.pptx
@@ -1145,6 +1145,111 @@
           <a:bodyPr/>
           <a:lstStyle/>
           <a:p>
+            <a:r>
+              <a:rPr lang="zh-TW" altLang="en-US" sz="1200" dirty="0">
+                <a:latin typeface="標楷體" panose="03000509000000000000" pitchFamily="65" charset="-120"/>
+                <a:ea typeface="標楷體" panose="03000509000000000000" pitchFamily="65" charset="-120"/>
+              </a:rPr>
+              <a:t>經過不斷的努力，這套</a:t>
+            </a:r>
+            <a:r>
+              <a:rPr lang="en-US" altLang="zh-TW" sz="1200" dirty="0">
+                <a:latin typeface="標楷體" panose="03000509000000000000" pitchFamily="65" charset="-120"/>
+                <a:ea typeface="標楷體" panose="03000509000000000000" pitchFamily="65" charset="-120"/>
+              </a:rPr>
+              <a:t>AI</a:t>
+            </a:r>
+            <a:r>
+              <a:rPr lang="zh-TW" altLang="en-US" sz="1200" dirty="0">
+                <a:latin typeface="標楷體" panose="03000509000000000000" pitchFamily="65" charset="-120"/>
+                <a:ea typeface="標楷體" panose="03000509000000000000" pitchFamily="65" charset="-120"/>
+              </a:rPr>
+              <a:t>模型終於被成功訓練出來。它在多個測試場景中表現穩定，準確度顯著提高，並且成功應用於醫療診斷系統，幫助醫生更快、更準確地做出決策</a:t>
+            </a:r>
+            <a:r>
+              <a:rPr lang="zh-TW" altLang="en-US" dirty="0"/>
+              <a:t>為背景。</a:t>
+            </a:r>
+          </a:p>
+          <a:p>
+            <a:endParaRPr lang="zh-TW" altLang="en-US" dirty="0"/>
+          </a:p>
+          <a:p>
+            <a:r>
+              <a:rPr lang="zh-TW" altLang="en-US" dirty="0"/>
+              <a:t>髮色與髮型：這個人物有著藍色的短髮，頭髮鬆散但稍微向上翹，營造出年輕、活潑的感覺。髮型屬於比較常見的短髮造型，顯得清爽。</a:t>
+            </a:r>
+          </a:p>
+          <a:p>
+            <a:endParaRPr lang="zh-TW" altLang="en-US" dirty="0"/>
+          </a:p>
+          <a:p>
+            <a:r>
+              <a:rPr lang="zh-TW" altLang="en-US" dirty="0"/>
+              <a:t>面部特徵：面部輪廓較為簡單，皮膚顏色偏白。人物的眼睛大而圓，瞳孔呈現出褐色，表情比較中立，顯得溫和無害。</a:t>
+            </a:r>
+          </a:p>
+          <a:p>
+            <a:endParaRPr lang="zh-TW" altLang="en-US" dirty="0"/>
+          </a:p>
+          <a:p>
+            <a:r>
+              <a:rPr lang="zh-TW" altLang="en-US" dirty="0"/>
+              <a:t>服裝：他穿著一件灰色的外套，內搭白襯衫，並打了一條紫色條紋的領帶，服裝搭配典雅，給人一種學生或年輕專業人士的感覺。</a:t>
+            </a:r>
+          </a:p>
+          <a:p>
+            <a:r>
+              <a:rPr lang="zh-TW" altLang="en-US" dirty="0"/>
+              <a:t>請以</a:t>
+            </a:r>
+            <a:r>
+              <a:rPr lang="en-US" altLang="zh-TW" dirty="0"/>
+              <a:t>Booth</a:t>
+            </a:r>
+            <a:r>
+              <a:rPr lang="zh-TW" altLang="en-US" dirty="0"/>
+              <a:t>的畫風一致</a:t>
+            </a:r>
+          </a:p>
+          <a:p>
+            <a:endParaRPr lang="zh-TW" altLang="en-US" dirty="0"/>
+          </a:p>
+          <a:p>
+            <a:r>
+              <a:rPr lang="zh-TW" altLang="en-US" dirty="0"/>
+              <a:t>臉型偏向日本漫畫風格的</a:t>
+            </a:r>
+            <a:r>
+              <a:rPr lang="en-US" altLang="zh-TW" dirty="0"/>
+              <a:t>booth</a:t>
+            </a:r>
+            <a:endParaRPr lang="zh-TW" altLang="en-US" dirty="0"/>
+          </a:p>
+          <a:p>
+            <a:pPr marL="0" marR="0" lvl="0" indent="0" algn="l" defTabSz="914400" rtl="0" eaLnBrk="1" fontAlgn="auto" latinLnBrk="0" hangingPunct="1">
+              <a:lnSpc>
+                <a:spcPct val="100000"/>
+              </a:lnSpc>
+              <a:spcBef>
+                <a:spcPts val="0"/>
+              </a:spcBef>
+              <a:spcAft>
+                <a:spcPts val="0"/>
+              </a:spcAft>
+              <a:buClrTx/>
+              <a:buSzTx/>
+              <a:buFontTx/>
+              <a:buNone/>
+              <a:tabLst/>
+              <a:defRPr/>
+            </a:pPr>
+            <a:endParaRPr lang="en-US" altLang="zh-TW" sz="1200" dirty="0">
+              <a:latin typeface="標楷體" panose="03000509000000000000" pitchFamily="65" charset="-120"/>
+              <a:ea typeface="標楷體" panose="03000509000000000000" pitchFamily="65" charset="-120"/>
+            </a:endParaRPr>
+          </a:p>
+          <a:p>
             <a:endParaRPr lang="zh-TW" altLang="en-US" dirty="0"/>
           </a:p>
         </p:txBody>
@@ -1289,6 +1394,111 @@
           <a:bodyPr/>
           <a:lstStyle/>
           <a:p>
+            <a:pPr marL="0" marR="0" lvl="0" indent="0" algn="l" defTabSz="914400" rtl="0" eaLnBrk="1" fontAlgn="auto" latinLnBrk="0" hangingPunct="1">
+              <a:lnSpc>
+                <a:spcPct val="100000"/>
+              </a:lnSpc>
+              <a:spcBef>
+                <a:spcPts val="0"/>
+              </a:spcBef>
+              <a:spcAft>
+                <a:spcPts val="0"/>
+              </a:spcAft>
+              <a:buClrTx/>
+              <a:buSzTx/>
+              <a:buFontTx/>
+              <a:buNone/>
+              <a:tabLst/>
+              <a:defRPr/>
+            </a:pPr>
+            <a:r>
+              <a:rPr lang="zh-TW" altLang="en-US" sz="1200" dirty="0">
+                <a:latin typeface="標楷體" panose="03000509000000000000" pitchFamily="65" charset="-120"/>
+                <a:ea typeface="標楷體" panose="03000509000000000000" pitchFamily="65" charset="-120"/>
+              </a:rPr>
+              <a:t>然而，就在我以為一切順利時，新的挑戰出現了</a:t>
+            </a:r>
+            <a:r>
+              <a:rPr lang="en-US" altLang="zh-TW" sz="1200" dirty="0">
+                <a:latin typeface="標楷體" panose="03000509000000000000" pitchFamily="65" charset="-120"/>
+                <a:ea typeface="標楷體" panose="03000509000000000000" pitchFamily="65" charset="-120"/>
+              </a:rPr>
+              <a:t>——</a:t>
+            </a:r>
+            <a:r>
+              <a:rPr lang="zh-TW" altLang="en-US" sz="1200" dirty="0">
+                <a:latin typeface="標楷體" panose="03000509000000000000" pitchFamily="65" charset="-120"/>
+                <a:ea typeface="標楷體" panose="03000509000000000000" pitchFamily="65" charset="-120"/>
+              </a:rPr>
+              <a:t>市場需求的快速變化，以及如何讓這項技術被更多人接受和應用。技術再強大，若無法讓使用者感受到它的價值，也無法真正成功。</a:t>
+            </a:r>
+            <a:endParaRPr lang="en-US" altLang="zh-TW" sz="1200" dirty="0">
+              <a:latin typeface="標楷體" panose="03000509000000000000" pitchFamily="65" charset="-120"/>
+              <a:ea typeface="標楷體" panose="03000509000000000000" pitchFamily="65" charset="-120"/>
+            </a:endParaRPr>
+          </a:p>
+          <a:p>
+            <a:r>
+              <a:rPr lang="zh-TW" altLang="en-US" dirty="0"/>
+              <a:t>為背景。</a:t>
+            </a:r>
+          </a:p>
+          <a:p>
+            <a:endParaRPr lang="zh-TW" altLang="en-US" dirty="0"/>
+          </a:p>
+          <a:p>
+            <a:r>
+              <a:rPr lang="zh-TW" altLang="en-US" dirty="0"/>
+              <a:t>髮色與髮型：這個人物有著藍色的短髮，頭髮鬆散但稍微向上翹，營造出年輕、活潑的感覺。髮型屬於比較常見的短髮造型，顯得清爽。</a:t>
+            </a:r>
+          </a:p>
+          <a:p>
+            <a:endParaRPr lang="zh-TW" altLang="en-US" dirty="0"/>
+          </a:p>
+          <a:p>
+            <a:r>
+              <a:rPr lang="zh-TW" altLang="en-US" dirty="0"/>
+              <a:t>面部特徵：面部輪廓較為簡單，皮膚顏色偏白。人物的眼睛大而圓，瞳孔呈現出褐色，表情比較中立，顯得溫和無害。</a:t>
+            </a:r>
+          </a:p>
+          <a:p>
+            <a:endParaRPr lang="zh-TW" altLang="en-US" dirty="0"/>
+          </a:p>
+          <a:p>
+            <a:r>
+              <a:rPr lang="zh-TW" altLang="en-US" dirty="0"/>
+              <a:t>服裝：他穿著一件灰色的外套，內搭白襯衫，並打了一條紫色條紋的領帶，服裝搭配典雅，給人一種學生或年輕專業人士的感覺。</a:t>
+            </a:r>
+          </a:p>
+          <a:p>
+            <a:r>
+              <a:rPr lang="zh-TW" altLang="en-US" dirty="0"/>
+              <a:t>請以</a:t>
+            </a:r>
+            <a:r>
+              <a:rPr lang="en-US" altLang="zh-TW" dirty="0"/>
+              <a:t>Booth</a:t>
+            </a:r>
+            <a:r>
+              <a:rPr lang="zh-TW" altLang="en-US" dirty="0"/>
+              <a:t>的畫風一致</a:t>
+            </a:r>
+          </a:p>
+          <a:p>
+            <a:endParaRPr lang="zh-TW" altLang="en-US" dirty="0"/>
+          </a:p>
+          <a:p>
+            <a:r>
+              <a:rPr lang="zh-TW" altLang="en-US" dirty="0"/>
+              <a:t>臉型偏向日本漫畫風格的</a:t>
+            </a:r>
+            <a:r>
+              <a:rPr lang="en-US" altLang="zh-TW" dirty="0"/>
+              <a:t>booth</a:t>
+            </a:r>
+            <a:endParaRPr lang="zh-TW" altLang="en-US" dirty="0"/>
+          </a:p>
+          <a:p>
             <a:endParaRPr lang="zh-TW" altLang="en-US" dirty="0"/>
           </a:p>
         </p:txBody>
@@ -1433,6 +1643,116 @@
           <a:bodyPr/>
           <a:lstStyle/>
           <a:p>
+            <a:pPr marL="0" marR="0" lvl="0" indent="0" algn="l" defTabSz="914400" rtl="0" eaLnBrk="1" fontAlgn="auto" latinLnBrk="0" hangingPunct="1">
+              <a:lnSpc>
+                <a:spcPct val="100000"/>
+              </a:lnSpc>
+              <a:spcBef>
+                <a:spcPts val="0"/>
+              </a:spcBef>
+              <a:spcAft>
+                <a:spcPts val="0"/>
+              </a:spcAft>
+              <a:buClrTx/>
+              <a:buSzTx/>
+              <a:buFontTx/>
+              <a:buNone/>
+              <a:tabLst/>
+              <a:defRPr/>
+            </a:pPr>
+            <a:r>
+              <a:rPr lang="zh-TW" altLang="en-US" sz="1200" dirty="0">
+                <a:latin typeface="標楷體" panose="03000509000000000000" pitchFamily="65" charset="-120"/>
+                <a:ea typeface="標楷體" panose="03000509000000000000" pitchFamily="65" charset="-120"/>
+              </a:rPr>
+              <a:t>為了應對這些挑戰，我開始擴展</a:t>
+            </a:r>
+            <a:r>
+              <a:rPr lang="en-US" altLang="zh-TW" sz="1200" dirty="0">
+                <a:latin typeface="標楷體" panose="03000509000000000000" pitchFamily="65" charset="-120"/>
+                <a:ea typeface="標楷體" panose="03000509000000000000" pitchFamily="65" charset="-120"/>
+              </a:rPr>
+              <a:t>AI</a:t>
+            </a:r>
+            <a:r>
+              <a:rPr lang="zh-TW" altLang="en-US" sz="1200" dirty="0">
+                <a:latin typeface="標楷體" panose="03000509000000000000" pitchFamily="65" charset="-120"/>
+                <a:ea typeface="標楷體" panose="03000509000000000000" pitchFamily="65" charset="-120"/>
+              </a:rPr>
+              <a:t>技術的應用範圍，不僅僅局限於醫療，還包括教育和娛樂產業。我重新思考了技術的潛力，並將它應用於智能教學系統和虛擬助手，讓更多人在日常生活中受益</a:t>
+            </a:r>
+            <a:r>
+              <a:rPr lang="zh-TW" altLang="en-US" dirty="0"/>
+              <a:t>為背景</a:t>
+            </a:r>
+            <a:r>
+              <a:rPr lang="zh-TW" altLang="en-US" sz="1200" dirty="0">
+                <a:latin typeface="標楷體" panose="03000509000000000000" pitchFamily="65" charset="-120"/>
+                <a:ea typeface="標楷體" panose="03000509000000000000" pitchFamily="65" charset="-120"/>
+              </a:rPr>
+              <a:t>。</a:t>
+            </a:r>
+            <a:endParaRPr lang="en-US" altLang="zh-TW" sz="1200" dirty="0">
+              <a:latin typeface="標楷體" panose="03000509000000000000" pitchFamily="65" charset="-120"/>
+              <a:ea typeface="標楷體" panose="03000509000000000000" pitchFamily="65" charset="-120"/>
+            </a:endParaRPr>
+          </a:p>
+          <a:p>
+            <a:endParaRPr lang="en-US" altLang="zh-TW" dirty="0"/>
+          </a:p>
+          <a:p>
+            <a:r>
+              <a:rPr lang="zh-TW" altLang="en-US" dirty="0"/>
+              <a:t>髮色與髮型：這個人物有著藍色的短髮，頭髮鬆散但稍微向上翹，營造出年輕、活潑的感覺。髮型屬於比較常見的短髮造型，顯得清爽。</a:t>
+            </a:r>
+          </a:p>
+          <a:p>
+            <a:endParaRPr lang="zh-TW" altLang="en-US" dirty="0"/>
+          </a:p>
+          <a:p>
+            <a:r>
+              <a:rPr lang="zh-TW" altLang="en-US" dirty="0"/>
+              <a:t>面部特徵：面部輪廓較為簡單，皮膚顏色偏白。人物的眼睛大而圓，瞳孔呈現出褐色，表情比較中立，顯得溫和無害。</a:t>
+            </a:r>
+          </a:p>
+          <a:p>
+            <a:endParaRPr lang="zh-TW" altLang="en-US" dirty="0"/>
+          </a:p>
+          <a:p>
+            <a:r>
+              <a:rPr lang="zh-TW" altLang="en-US" dirty="0"/>
+              <a:t>服裝：他穿著一件灰色的外套，內搭白襯衫，並打了一條紫色條紋的領帶，服裝搭配典雅，給人一種學生或年輕專業人士的感覺。</a:t>
+            </a:r>
+          </a:p>
+          <a:p>
+            <a:r>
+              <a:rPr lang="zh-TW" altLang="en-US" dirty="0"/>
+              <a:t>請以</a:t>
+            </a:r>
+            <a:r>
+              <a:rPr lang="en-US" altLang="zh-TW" dirty="0"/>
+              <a:t>Booth</a:t>
+            </a:r>
+            <a:r>
+              <a:rPr lang="zh-TW" altLang="en-US" dirty="0"/>
+              <a:t>的畫風一致</a:t>
+            </a:r>
+          </a:p>
+          <a:p>
+            <a:endParaRPr lang="zh-TW" altLang="en-US" dirty="0"/>
+          </a:p>
+          <a:p>
+            <a:r>
+              <a:rPr lang="zh-TW" altLang="en-US" dirty="0"/>
+              <a:t>臉型偏向日本漫畫風格的</a:t>
+            </a:r>
+            <a:r>
+              <a:rPr lang="en-US" altLang="zh-TW" dirty="0"/>
+              <a:t>booth</a:t>
+            </a:r>
+            <a:endParaRPr lang="zh-TW" altLang="en-US" dirty="0"/>
+          </a:p>
+          <a:p>
             <a:endParaRPr lang="zh-TW" altLang="en-US" dirty="0"/>
           </a:p>
         </p:txBody>
@@ -1576,6 +1896,144 @@
         <p:txBody>
           <a:bodyPr/>
           <a:lstStyle/>
+          <a:p>
+            <a:pPr marL="0" marR="0" lvl="0" indent="0" algn="l" defTabSz="914400" rtl="0" eaLnBrk="1" fontAlgn="auto" latinLnBrk="0" hangingPunct="1">
+              <a:lnSpc>
+                <a:spcPct val="100000"/>
+              </a:lnSpc>
+              <a:spcBef>
+                <a:spcPts val="0"/>
+              </a:spcBef>
+              <a:spcAft>
+                <a:spcPts val="0"/>
+              </a:spcAft>
+              <a:buClrTx/>
+              <a:buSzTx/>
+              <a:buFontTx/>
+              <a:buNone/>
+              <a:tabLst/>
+              <a:defRPr/>
+            </a:pPr>
+            <a:r>
+              <a:rPr lang="zh-TW" altLang="en-US" sz="1200" dirty="0">
+                <a:latin typeface="標楷體" panose="03000509000000000000" pitchFamily="65" charset="-120"/>
+                <a:ea typeface="標楷體" panose="03000509000000000000" pitchFamily="65" charset="-120"/>
+              </a:rPr>
+              <a:t>最終，我將這場技術開發的冒險轉變成了一個惠及社會的解決方案。這套</a:t>
+            </a:r>
+            <a:r>
+              <a:rPr lang="en-US" altLang="zh-TW" sz="1200" dirty="0">
+                <a:latin typeface="標楷體" panose="03000509000000000000" pitchFamily="65" charset="-120"/>
+                <a:ea typeface="標楷體" panose="03000509000000000000" pitchFamily="65" charset="-120"/>
+              </a:rPr>
+              <a:t>AI</a:t>
+            </a:r>
+            <a:r>
+              <a:rPr lang="zh-TW" altLang="en-US" sz="1200" dirty="0">
+                <a:latin typeface="標楷體" panose="03000509000000000000" pitchFamily="65" charset="-120"/>
+                <a:ea typeface="標楷體" panose="03000509000000000000" pitchFamily="65" charset="-120"/>
+              </a:rPr>
+              <a:t>模型已不僅僅是技術成果，它已經成為改變人們生活的力量。通過這段冒險，我成為了一位</a:t>
+            </a:r>
+            <a:r>
+              <a:rPr lang="en-US" altLang="zh-TW" sz="1200" dirty="0">
+                <a:latin typeface="標楷體" panose="03000509000000000000" pitchFamily="65" charset="-120"/>
+                <a:ea typeface="標楷體" panose="03000509000000000000" pitchFamily="65" charset="-120"/>
+              </a:rPr>
+              <a:t>AI</a:t>
+            </a:r>
+            <a:r>
+              <a:rPr lang="zh-TW" altLang="en-US" sz="1200" dirty="0">
+                <a:latin typeface="標楷體" panose="03000509000000000000" pitchFamily="65" charset="-120"/>
+                <a:ea typeface="標楷體" panose="03000509000000000000" pitchFamily="65" charset="-120"/>
+              </a:rPr>
+              <a:t>技術的引導者，開啟了屬於</a:t>
+            </a:r>
+            <a:r>
+              <a:rPr lang="en-US" altLang="zh-TW" sz="1200" dirty="0">
+                <a:latin typeface="標楷體" panose="03000509000000000000" pitchFamily="65" charset="-120"/>
+                <a:ea typeface="標楷體" panose="03000509000000000000" pitchFamily="65" charset="-120"/>
+              </a:rPr>
+              <a:t>AI</a:t>
+            </a:r>
+            <a:r>
+              <a:rPr lang="zh-TW" altLang="en-US" sz="1200" dirty="0">
+                <a:latin typeface="標楷體" panose="03000509000000000000" pitchFamily="65" charset="-120"/>
+                <a:ea typeface="標楷體" panose="03000509000000000000" pitchFamily="65" charset="-120"/>
+              </a:rPr>
+              <a:t>的全新篇章</a:t>
+            </a:r>
+            <a:r>
+              <a:rPr lang="zh-TW" altLang="en-US" dirty="0"/>
+              <a:t>為背景</a:t>
+            </a:r>
+            <a:r>
+              <a:rPr lang="zh-TW" altLang="en-US" sz="1200" dirty="0">
+                <a:latin typeface="標楷體" panose="03000509000000000000" pitchFamily="65" charset="-120"/>
+                <a:ea typeface="標楷體" panose="03000509000000000000" pitchFamily="65" charset="-120"/>
+              </a:rPr>
+              <a:t>。</a:t>
+            </a:r>
+            <a:endParaRPr lang="en-US" altLang="zh-TW" sz="1200" dirty="0">
+              <a:latin typeface="標楷體" panose="03000509000000000000" pitchFamily="65" charset="-120"/>
+              <a:ea typeface="標楷體" panose="03000509000000000000" pitchFamily="65" charset="-120"/>
+            </a:endParaRPr>
+          </a:p>
+          <a:p>
+            <a:endParaRPr lang="en-US" altLang="zh-TW" dirty="0"/>
+          </a:p>
+          <a:p>
+            <a:r>
+              <a:rPr lang="zh-TW" altLang="en-US" dirty="0"/>
+              <a:t>髮色與髮型：這個人物有著藍色的短髮，頭髮鬆散但稍微向上翹，營造出年輕、活潑的感覺。髮型屬於比較常見的短髮造型，顯得清爽。</a:t>
+            </a:r>
+          </a:p>
+          <a:p>
+            <a:endParaRPr lang="zh-TW" altLang="en-US" dirty="0"/>
+          </a:p>
+          <a:p>
+            <a:r>
+              <a:rPr lang="zh-TW" altLang="en-US" dirty="0"/>
+              <a:t>面部特徵：面部輪廓較為簡單，皮膚顏色偏白。人物的眼睛大而圓，瞳孔呈現出褐色，表情比較中立，顯得溫和無害。</a:t>
+            </a:r>
+          </a:p>
+          <a:p>
+            <a:endParaRPr lang="zh-TW" altLang="en-US" dirty="0"/>
+          </a:p>
+          <a:p>
+            <a:r>
+              <a:rPr lang="zh-TW" altLang="en-US" dirty="0"/>
+              <a:t>服裝：他穿著一件灰色的外套，內搭白襯衫，並打了一條紫色條紋的領帶，服裝搭配典雅，給人一種學生或年輕專業人士的感覺。</a:t>
+            </a:r>
+          </a:p>
+          <a:p>
+            <a:r>
+              <a:rPr lang="zh-TW" altLang="en-US" dirty="0"/>
+              <a:t>請以</a:t>
+            </a:r>
+            <a:r>
+              <a:rPr lang="en-US" altLang="zh-TW" dirty="0"/>
+              <a:t>Booth</a:t>
+            </a:r>
+            <a:r>
+              <a:rPr lang="zh-TW" altLang="en-US" dirty="0"/>
+              <a:t>的畫風一致</a:t>
+            </a:r>
+          </a:p>
+          <a:p>
+            <a:endParaRPr lang="zh-TW" altLang="en-US" dirty="0"/>
+          </a:p>
+          <a:p>
+            <a:r>
+              <a:rPr lang="zh-TW" altLang="en-US" dirty="0"/>
+              <a:t>臉型偏向日本漫畫風格的</a:t>
+            </a:r>
+            <a:r>
+              <a:rPr lang="en-US" altLang="zh-TW" dirty="0"/>
+              <a:t>booth</a:t>
+            </a:r>
+            <a:endParaRPr lang="zh-TW" altLang="en-US" dirty="0"/>
+          </a:p>
           <a:p>
             <a:endParaRPr lang="zh-TW" altLang="en-US" dirty="0"/>
           </a:p>
@@ -5216,13 +5674,13 @@
   <p:clrMapOvr>
     <a:masterClrMapping/>
   </p:clrMapOvr>
-  <mc:AlternateContent xmlns:mc="http://schemas.openxmlformats.org/markup-compatibility/2006">
-    <mc:Choice xmlns:p159="http://schemas.microsoft.com/office/powerpoint/2015/09/main" Requires="p159">
+  <mc:AlternateContent xmlns:mc="http://schemas.openxmlformats.org/markup-compatibility/2006" xmlns:p159="http://schemas.microsoft.com/office/powerpoint/2015/09/main">
+    <mc:Choice Requires="p159">
       <p:transition xmlns:p14="http://schemas.microsoft.com/office/powerpoint/2010/main" spd="slow" p14:dur="2000">
         <p159:morph option="byObject"/>
       </p:transition>
     </mc:Choice>
-    <mc:Fallback>
+    <mc:Fallback xmlns="">
       <p:transition spd="slow">
         <p:fade/>
       </p:transition>
@@ -5385,13 +5843,13 @@
   <p:clrMapOvr>
     <a:masterClrMapping/>
   </p:clrMapOvr>
-  <mc:AlternateContent xmlns:mc="http://schemas.openxmlformats.org/markup-compatibility/2006">
-    <mc:Choice xmlns:p159="http://schemas.microsoft.com/office/powerpoint/2015/09/main" Requires="p159">
+  <mc:AlternateContent xmlns:mc="http://schemas.openxmlformats.org/markup-compatibility/2006" xmlns:p159="http://schemas.microsoft.com/office/powerpoint/2015/09/main">
+    <mc:Choice Requires="p159">
       <p:transition xmlns:p14="http://schemas.microsoft.com/office/powerpoint/2010/main" spd="slow" p14:dur="2000">
         <p159:morph option="byObject"/>
       </p:transition>
     </mc:Choice>
-    <mc:Fallback>
+    <mc:Fallback xmlns="">
       <p:transition spd="slow">
         <p:fade/>
       </p:transition>
@@ -5554,13 +6012,13 @@
   <p:clrMapOvr>
     <a:masterClrMapping/>
   </p:clrMapOvr>
-  <mc:AlternateContent xmlns:mc="http://schemas.openxmlformats.org/markup-compatibility/2006">
-    <mc:Choice xmlns:p159="http://schemas.microsoft.com/office/powerpoint/2015/09/main" Requires="p159">
+  <mc:AlternateContent xmlns:mc="http://schemas.openxmlformats.org/markup-compatibility/2006" xmlns:p159="http://schemas.microsoft.com/office/powerpoint/2015/09/main">
+    <mc:Choice Requires="p159">
       <p:transition xmlns:p14="http://schemas.microsoft.com/office/powerpoint/2010/main" spd="slow" p14:dur="2000">
         <p159:morph option="byObject"/>
       </p:transition>
     </mc:Choice>
-    <mc:Fallback>
+    <mc:Fallback xmlns="">
       <p:transition spd="slow">
         <p:fade/>
       </p:transition>
@@ -5677,6 +6135,42 @@
           </a:p>
         </p:txBody>
       </p:sp>
+      <p:pic>
+        <p:nvPicPr>
+          <p:cNvPr id="3" name="圖片 2">
+            <a:extLst>
+              <a:ext uri="{FF2B5EF4-FFF2-40B4-BE49-F238E27FC236}">
+                <a16:creationId xmlns:a16="http://schemas.microsoft.com/office/drawing/2014/main" id="{1E9151D6-AEC0-4AB1-BC15-A4F45F008FF6}"/>
+              </a:ext>
+            </a:extLst>
+          </p:cNvPr>
+          <p:cNvPicPr>
+            <a:picLocks noChangeAspect="1"/>
+          </p:cNvPicPr>
+          <p:nvPr/>
+        </p:nvPicPr>
+        <p:blipFill>
+          <a:blip r:embed="rId4">
+            <a:extLst>
+              <a:ext uri="{28A0092B-C50C-407E-A947-70E740481C1C}">
+                <a14:useLocalDpi xmlns:a14="http://schemas.microsoft.com/office/drawing/2010/main" val="0"/>
+              </a:ext>
+            </a:extLst>
+          </a:blip>
+          <a:stretch>
+            <a:fillRect/>
+          </a:stretch>
+        </p:blipFill>
+        <p:spPr>
+          <a:xfrm>
+            <a:off x="301336" y="959638"/>
+            <a:ext cx="5794664" cy="5794664"/>
+          </a:xfrm>
+          <a:prstGeom prst="rect">
+            <a:avLst/>
+          </a:prstGeom>
+        </p:spPr>
+      </p:pic>
     </p:spTree>
     <p:extLst>
       <p:ext uri="{BB962C8B-B14F-4D97-AF65-F5344CB8AC3E}">

--- a/hw02.pptx
+++ b/hw02.pptx
@@ -204,7 +204,7 @@
           <a:p>
             <a:fld id="{69D62639-03B6-4681-97A0-BD76DD2344A1}" type="datetimeFigureOut">
               <a:rPr lang="zh-TW" altLang="en-US" smtClean="0"/>
-              <a:t>2024/10/17</a:t>
+              <a:t>2024/10/19</a:t>
             </a:fld>
             <a:endParaRPr lang="zh-TW" altLang="en-US"/>
           </a:p>
@@ -2282,7 +2282,7 @@
           <a:p>
             <a:fld id="{C3C90D7E-32D6-4894-AE08-7BBB3E610FC9}" type="datetimeFigureOut">
               <a:rPr lang="zh-TW" altLang="en-US" smtClean="0"/>
-              <a:t>2024/10/17</a:t>
+              <a:t>2024/10/19</a:t>
             </a:fld>
             <a:endParaRPr lang="zh-TW" altLang="en-US"/>
           </a:p>
@@ -2480,7 +2480,7 @@
           <a:p>
             <a:fld id="{C3C90D7E-32D6-4894-AE08-7BBB3E610FC9}" type="datetimeFigureOut">
               <a:rPr lang="zh-TW" altLang="en-US" smtClean="0"/>
-              <a:t>2024/10/17</a:t>
+              <a:t>2024/10/19</a:t>
             </a:fld>
             <a:endParaRPr lang="zh-TW" altLang="en-US"/>
           </a:p>
@@ -2688,7 +2688,7 @@
           <a:p>
             <a:fld id="{C3C90D7E-32D6-4894-AE08-7BBB3E610FC9}" type="datetimeFigureOut">
               <a:rPr lang="zh-TW" altLang="en-US" smtClean="0"/>
-              <a:t>2024/10/17</a:t>
+              <a:t>2024/10/19</a:t>
             </a:fld>
             <a:endParaRPr lang="zh-TW" altLang="en-US"/>
           </a:p>
@@ -2886,7 +2886,7 @@
           <a:p>
             <a:fld id="{C3C90D7E-32D6-4894-AE08-7BBB3E610FC9}" type="datetimeFigureOut">
               <a:rPr lang="zh-TW" altLang="en-US" smtClean="0"/>
-              <a:t>2024/10/17</a:t>
+              <a:t>2024/10/19</a:t>
             </a:fld>
             <a:endParaRPr lang="zh-TW" altLang="en-US"/>
           </a:p>
@@ -3161,7 +3161,7 @@
           <a:p>
             <a:fld id="{C3C90D7E-32D6-4894-AE08-7BBB3E610FC9}" type="datetimeFigureOut">
               <a:rPr lang="zh-TW" altLang="en-US" smtClean="0"/>
-              <a:t>2024/10/17</a:t>
+              <a:t>2024/10/19</a:t>
             </a:fld>
             <a:endParaRPr lang="zh-TW" altLang="en-US"/>
           </a:p>
@@ -3426,7 +3426,7 @@
           <a:p>
             <a:fld id="{C3C90D7E-32D6-4894-AE08-7BBB3E610FC9}" type="datetimeFigureOut">
               <a:rPr lang="zh-TW" altLang="en-US" smtClean="0"/>
-              <a:t>2024/10/17</a:t>
+              <a:t>2024/10/19</a:t>
             </a:fld>
             <a:endParaRPr lang="zh-TW" altLang="en-US"/>
           </a:p>
@@ -3838,7 +3838,7 @@
           <a:p>
             <a:fld id="{C3C90D7E-32D6-4894-AE08-7BBB3E610FC9}" type="datetimeFigureOut">
               <a:rPr lang="zh-TW" altLang="en-US" smtClean="0"/>
-              <a:t>2024/10/17</a:t>
+              <a:t>2024/10/19</a:t>
             </a:fld>
             <a:endParaRPr lang="zh-TW" altLang="en-US"/>
           </a:p>
@@ -3979,7 +3979,7 @@
           <a:p>
             <a:fld id="{C3C90D7E-32D6-4894-AE08-7BBB3E610FC9}" type="datetimeFigureOut">
               <a:rPr lang="zh-TW" altLang="en-US" smtClean="0"/>
-              <a:t>2024/10/17</a:t>
+              <a:t>2024/10/19</a:t>
             </a:fld>
             <a:endParaRPr lang="zh-TW" altLang="en-US"/>
           </a:p>
@@ -4092,7 +4092,7 @@
           <a:p>
             <a:fld id="{C3C90D7E-32D6-4894-AE08-7BBB3E610FC9}" type="datetimeFigureOut">
               <a:rPr lang="zh-TW" altLang="en-US" smtClean="0"/>
-              <a:t>2024/10/17</a:t>
+              <a:t>2024/10/19</a:t>
             </a:fld>
             <a:endParaRPr lang="zh-TW" altLang="en-US"/>
           </a:p>
@@ -4403,7 +4403,7 @@
           <a:p>
             <a:fld id="{C3C90D7E-32D6-4894-AE08-7BBB3E610FC9}" type="datetimeFigureOut">
               <a:rPr lang="zh-TW" altLang="en-US" smtClean="0"/>
-              <a:t>2024/10/17</a:t>
+              <a:t>2024/10/19</a:t>
             </a:fld>
             <a:endParaRPr lang="zh-TW" altLang="en-US"/>
           </a:p>
@@ -4691,7 +4691,7 @@
           <a:p>
             <a:fld id="{C3C90D7E-32D6-4894-AE08-7BBB3E610FC9}" type="datetimeFigureOut">
               <a:rPr lang="zh-TW" altLang="en-US" smtClean="0"/>
-              <a:t>2024/10/17</a:t>
+              <a:t>2024/10/19</a:t>
             </a:fld>
             <a:endParaRPr lang="zh-TW" altLang="en-US"/>
           </a:p>
@@ -4932,7 +4932,7 @@
           <a:p>
             <a:fld id="{C3C90D7E-32D6-4894-AE08-7BBB3E610FC9}" type="datetimeFigureOut">
               <a:rPr lang="zh-TW" altLang="en-US" smtClean="0"/>
-              <a:t>2024/10/17</a:t>
+              <a:t>2024/10/19</a:t>
             </a:fld>
             <a:endParaRPr lang="zh-TW" altLang="en-US"/>
           </a:p>
@@ -6181,6 +6181,18 @@
   <p:clrMapOvr>
     <a:masterClrMapping/>
   </p:clrMapOvr>
+  <mc:AlternateContent xmlns:mc="http://schemas.openxmlformats.org/markup-compatibility/2006">
+    <mc:Choice xmlns:p159="http://schemas.microsoft.com/office/powerpoint/2015/09/main" Requires="p159">
+      <p:transition xmlns:p14="http://schemas.microsoft.com/office/powerpoint/2010/main" spd="slow" p14:dur="2000">
+        <p159:morph option="byObject"/>
+      </p:transition>
+    </mc:Choice>
+    <mc:Fallback>
+      <p:transition spd="slow">
+        <p:fade/>
+      </p:transition>
+    </mc:Fallback>
+  </mc:AlternateContent>
 </p:sld>
 </file>
 
@@ -6292,6 +6304,42 @@
           </a:p>
         </p:txBody>
       </p:sp>
+      <p:pic>
+        <p:nvPicPr>
+          <p:cNvPr id="3" name="圖片 2">
+            <a:extLst>
+              <a:ext uri="{FF2B5EF4-FFF2-40B4-BE49-F238E27FC236}">
+                <a16:creationId xmlns:a16="http://schemas.microsoft.com/office/drawing/2014/main" id="{1947159F-B223-4C00-9E35-757F3A52A3DE}"/>
+              </a:ext>
+            </a:extLst>
+          </p:cNvPr>
+          <p:cNvPicPr>
+            <a:picLocks noChangeAspect="1"/>
+          </p:cNvPicPr>
+          <p:nvPr/>
+        </p:nvPicPr>
+        <p:blipFill>
+          <a:blip r:embed="rId4">
+            <a:extLst>
+              <a:ext uri="{28A0092B-C50C-407E-A947-70E740481C1C}">
+                <a14:useLocalDpi xmlns:a14="http://schemas.microsoft.com/office/drawing/2010/main" val="0"/>
+              </a:ext>
+            </a:extLst>
+          </a:blip>
+          <a:stretch>
+            <a:fillRect/>
+          </a:stretch>
+        </p:blipFill>
+        <p:spPr>
+          <a:xfrm>
+            <a:off x="301336" y="959638"/>
+            <a:ext cx="5794664" cy="5794664"/>
+          </a:xfrm>
+          <a:prstGeom prst="rect">
+            <a:avLst/>
+          </a:prstGeom>
+        </p:spPr>
+      </p:pic>
     </p:spTree>
     <p:extLst>
       <p:ext uri="{BB962C8B-B14F-4D97-AF65-F5344CB8AC3E}">
@@ -6302,6 +6350,18 @@
   <p:clrMapOvr>
     <a:masterClrMapping/>
   </p:clrMapOvr>
+  <mc:AlternateContent xmlns:mc="http://schemas.openxmlformats.org/markup-compatibility/2006">
+    <mc:Choice xmlns:p159="http://schemas.microsoft.com/office/powerpoint/2015/09/main" Requires="p159">
+      <p:transition xmlns:p14="http://schemas.microsoft.com/office/powerpoint/2010/main" spd="slow" p14:dur="2000">
+        <p159:morph option="byObject"/>
+      </p:transition>
+    </mc:Choice>
+    <mc:Fallback>
+      <p:transition spd="slow">
+        <p:fade/>
+      </p:transition>
+    </mc:Fallback>
+  </mc:AlternateContent>
 </p:sld>
 </file>
 
@@ -6413,6 +6473,42 @@
           </a:p>
         </p:txBody>
       </p:sp>
+      <p:pic>
+        <p:nvPicPr>
+          <p:cNvPr id="3" name="圖片 2">
+            <a:extLst>
+              <a:ext uri="{FF2B5EF4-FFF2-40B4-BE49-F238E27FC236}">
+                <a16:creationId xmlns:a16="http://schemas.microsoft.com/office/drawing/2014/main" id="{1B5512EB-4C53-4C0F-876A-1143AB11B569}"/>
+              </a:ext>
+            </a:extLst>
+          </p:cNvPr>
+          <p:cNvPicPr>
+            <a:picLocks noChangeAspect="1"/>
+          </p:cNvPicPr>
+          <p:nvPr/>
+        </p:nvPicPr>
+        <p:blipFill>
+          <a:blip r:embed="rId4">
+            <a:extLst>
+              <a:ext uri="{28A0092B-C50C-407E-A947-70E740481C1C}">
+                <a14:useLocalDpi xmlns:a14="http://schemas.microsoft.com/office/drawing/2010/main" val="0"/>
+              </a:ext>
+            </a:extLst>
+          </a:blip>
+          <a:stretch>
+            <a:fillRect/>
+          </a:stretch>
+        </p:blipFill>
+        <p:spPr>
+          <a:xfrm>
+            <a:off x="301336" y="959638"/>
+            <a:ext cx="5781404" cy="5781404"/>
+          </a:xfrm>
+          <a:prstGeom prst="rect">
+            <a:avLst/>
+          </a:prstGeom>
+        </p:spPr>
+      </p:pic>
     </p:spTree>
     <p:extLst>
       <p:ext uri="{BB962C8B-B14F-4D97-AF65-F5344CB8AC3E}">
@@ -6423,6 +6519,18 @@
   <p:clrMapOvr>
     <a:masterClrMapping/>
   </p:clrMapOvr>
+  <mc:AlternateContent xmlns:mc="http://schemas.openxmlformats.org/markup-compatibility/2006">
+    <mc:Choice xmlns:p159="http://schemas.microsoft.com/office/powerpoint/2015/09/main" Requires="p159">
+      <p:transition xmlns:p14="http://schemas.microsoft.com/office/powerpoint/2010/main" spd="slow" p14:dur="2000">
+        <p159:morph option="byObject"/>
+      </p:transition>
+    </mc:Choice>
+    <mc:Fallback>
+      <p:transition spd="slow">
+        <p:fade/>
+      </p:transition>
+    </mc:Fallback>
+  </mc:AlternateContent>
 </p:sld>
 </file>
 
@@ -6534,6 +6642,42 @@
           </a:p>
         </p:txBody>
       </p:sp>
+      <p:pic>
+        <p:nvPicPr>
+          <p:cNvPr id="3" name="圖片 2">
+            <a:extLst>
+              <a:ext uri="{FF2B5EF4-FFF2-40B4-BE49-F238E27FC236}">
+                <a16:creationId xmlns:a16="http://schemas.microsoft.com/office/drawing/2014/main" id="{9DB03E2F-C0A4-4655-9E9D-907593D25CDB}"/>
+              </a:ext>
+            </a:extLst>
+          </p:cNvPr>
+          <p:cNvPicPr>
+            <a:picLocks noChangeAspect="1"/>
+          </p:cNvPicPr>
+          <p:nvPr/>
+        </p:nvPicPr>
+        <p:blipFill>
+          <a:blip r:embed="rId4">
+            <a:extLst>
+              <a:ext uri="{28A0092B-C50C-407E-A947-70E740481C1C}">
+                <a14:useLocalDpi xmlns:a14="http://schemas.microsoft.com/office/drawing/2010/main" val="0"/>
+              </a:ext>
+            </a:extLst>
+          </a:blip>
+          <a:stretch>
+            <a:fillRect/>
+          </a:stretch>
+        </p:blipFill>
+        <p:spPr>
+          <a:xfrm>
+            <a:off x="301334" y="959637"/>
+            <a:ext cx="5770771" cy="5770771"/>
+          </a:xfrm>
+          <a:prstGeom prst="rect">
+            <a:avLst/>
+          </a:prstGeom>
+        </p:spPr>
+      </p:pic>
     </p:spTree>
     <p:extLst>
       <p:ext uri="{BB962C8B-B14F-4D97-AF65-F5344CB8AC3E}">
@@ -6544,6 +6688,18 @@
   <p:clrMapOvr>
     <a:masterClrMapping/>
   </p:clrMapOvr>
+  <mc:AlternateContent xmlns:mc="http://schemas.openxmlformats.org/markup-compatibility/2006">
+    <mc:Choice xmlns:p159="http://schemas.microsoft.com/office/powerpoint/2015/09/main" Requires="p159">
+      <p:transition xmlns:p14="http://schemas.microsoft.com/office/powerpoint/2010/main" spd="slow" p14:dur="2000">
+        <p159:morph option="byObject"/>
+      </p:transition>
+    </mc:Choice>
+    <mc:Fallback>
+      <p:transition spd="slow">
+        <p:fade/>
+      </p:transition>
+    </mc:Fallback>
+  </mc:AlternateContent>
 </p:sld>
 </file>
 
